--- a/Presentazione.pptx
+++ b/Presentazione.pptx
@@ -169,8 +169,8 @@
 <file path=ppt/revisionInfo.xml><?xml version="1.0" encoding="utf-8"?>
 <p1510:revInfo xmlns:a="http://schemas.openxmlformats.org/drawingml/2006/main" xmlns:r="http://schemas.openxmlformats.org/officeDocument/2006/relationships" xmlns:p1510="http://schemas.microsoft.com/office/powerpoint/2015/10/main">
   <p1510:revLst>
-    <p1510:client id="{F0588A29-505F-4958-9077-0B89B6D62C6B}" v="16" dt="2021-07-08T13:00:55.816"/>
-    <p1510:client id="{F9CAFC8F-001F-4238-83BA-AB9836CAE098}" v="1101" dt="2021-07-08T14:12:53.267"/>
+    <p1510:client id="{0D9ED8C0-A0A6-4B29-A001-08DC6E30E31E}" v="9" dt="2021-07-13T13:09:08.258"/>
+    <p1510:client id="{F9CAFC8F-001F-4238-83BA-AB9836CAE098}" v="1189" dt="2021-07-13T13:51:30.453"/>
   </p1510:revLst>
 </p1510:revInfo>
 </file>
@@ -274,7 +274,7 @@
           <c:spPr>
             <a:ln w="28575" cap="rnd">
               <a:solidFill>
-                <a:schemeClr val="accent1"/>
+                <a:schemeClr val="accent2"/>
               </a:solidFill>
               <a:round/>
             </a:ln>
@@ -285,11 +285,11 @@
             <c:size val="5"/>
             <c:spPr>
               <a:solidFill>
-                <a:schemeClr val="accent1"/>
+                <a:schemeClr val="accent2"/>
               </a:solidFill>
               <a:ln w="9525">
                 <a:solidFill>
-                  <a:schemeClr val="accent1"/>
+                  <a:schemeClr val="accent2"/>
                 </a:solidFill>
               </a:ln>
               <a:effectLst/>
@@ -359,7 +359,7 @@
           <c:spPr>
             <a:ln w="28575" cap="rnd">
               <a:solidFill>
-                <a:schemeClr val="accent2"/>
+                <a:schemeClr val="accent4"/>
               </a:solidFill>
               <a:round/>
             </a:ln>
@@ -370,11 +370,11 @@
             <c:size val="5"/>
             <c:spPr>
               <a:solidFill>
-                <a:schemeClr val="accent2"/>
+                <a:schemeClr val="accent4"/>
               </a:solidFill>
               <a:ln w="9525">
                 <a:solidFill>
-                  <a:schemeClr val="accent2"/>
+                  <a:schemeClr val="accent4"/>
                 </a:solidFill>
               </a:ln>
               <a:effectLst/>
@@ -420,7 +420,7 @@
           <c:spPr>
             <a:ln w="28575" cap="rnd">
               <a:solidFill>
-                <a:schemeClr val="accent3"/>
+                <a:schemeClr val="accent6"/>
               </a:solidFill>
               <a:round/>
             </a:ln>
@@ -431,11 +431,11 @@
             <c:size val="5"/>
             <c:spPr>
               <a:solidFill>
-                <a:schemeClr val="accent3"/>
+                <a:schemeClr val="accent6"/>
               </a:solidFill>
               <a:ln w="9525">
                 <a:solidFill>
-                  <a:schemeClr val="accent3"/>
+                  <a:schemeClr val="accent6"/>
                 </a:solidFill>
               </a:ln>
               <a:effectLst/>
@@ -481,7 +481,9 @@
           <c:spPr>
             <a:ln w="28575" cap="rnd">
               <a:solidFill>
-                <a:schemeClr val="accent4"/>
+                <a:schemeClr val="accent2">
+                  <a:lumMod val="60000"/>
+                </a:schemeClr>
               </a:solidFill>
               <a:round/>
             </a:ln>
@@ -492,11 +494,15 @@
             <c:size val="5"/>
             <c:spPr>
               <a:solidFill>
-                <a:schemeClr val="accent4"/>
+                <a:schemeClr val="accent2">
+                  <a:lumMod val="60000"/>
+                </a:schemeClr>
               </a:solidFill>
               <a:ln w="9525">
                 <a:solidFill>
-                  <a:schemeClr val="accent4"/>
+                  <a:schemeClr val="accent2">
+                    <a:lumMod val="60000"/>
+                  </a:schemeClr>
                 </a:solidFill>
               </a:ln>
               <a:effectLst/>
@@ -542,7 +548,9 @@
           <c:spPr>
             <a:ln w="28575" cap="rnd">
               <a:solidFill>
-                <a:schemeClr val="accent5"/>
+                <a:schemeClr val="accent4">
+                  <a:lumMod val="60000"/>
+                </a:schemeClr>
               </a:solidFill>
               <a:round/>
             </a:ln>
@@ -553,11 +561,15 @@
             <c:size val="5"/>
             <c:spPr>
               <a:solidFill>
-                <a:schemeClr val="accent5"/>
+                <a:schemeClr val="accent4">
+                  <a:lumMod val="60000"/>
+                </a:schemeClr>
               </a:solidFill>
               <a:ln w="9525">
                 <a:solidFill>
-                  <a:schemeClr val="accent5"/>
+                  <a:schemeClr val="accent4">
+                    <a:lumMod val="60000"/>
+                  </a:schemeClr>
                 </a:solidFill>
               </a:ln>
               <a:effectLst/>
@@ -960,7 +972,7 @@
           <c:spPr>
             <a:ln w="28575" cap="rnd">
               <a:solidFill>
-                <a:schemeClr val="accent1"/>
+                <a:schemeClr val="accent2"/>
               </a:solidFill>
               <a:round/>
             </a:ln>
@@ -971,11 +983,11 @@
             <c:size val="5"/>
             <c:spPr>
               <a:solidFill>
-                <a:schemeClr val="accent1"/>
+                <a:schemeClr val="accent2"/>
               </a:solidFill>
               <a:ln w="9525">
                 <a:solidFill>
-                  <a:schemeClr val="accent1"/>
+                  <a:schemeClr val="accent2"/>
                 </a:solidFill>
               </a:ln>
               <a:effectLst/>
@@ -1045,7 +1057,7 @@
           <c:spPr>
             <a:ln w="28575" cap="rnd">
               <a:solidFill>
-                <a:schemeClr val="accent2"/>
+                <a:schemeClr val="accent4"/>
               </a:solidFill>
               <a:round/>
             </a:ln>
@@ -1056,11 +1068,11 @@
             <c:size val="5"/>
             <c:spPr>
               <a:solidFill>
-                <a:schemeClr val="accent2"/>
+                <a:schemeClr val="accent4"/>
               </a:solidFill>
               <a:ln w="9525">
                 <a:solidFill>
-                  <a:schemeClr val="accent2"/>
+                  <a:schemeClr val="accent4"/>
                 </a:solidFill>
               </a:ln>
               <a:effectLst/>
@@ -1106,7 +1118,7 @@
           <c:spPr>
             <a:ln w="28575" cap="rnd">
               <a:solidFill>
-                <a:schemeClr val="accent3"/>
+                <a:schemeClr val="accent6"/>
               </a:solidFill>
               <a:round/>
             </a:ln>
@@ -1117,11 +1129,11 @@
             <c:size val="5"/>
             <c:spPr>
               <a:solidFill>
-                <a:schemeClr val="accent3"/>
+                <a:schemeClr val="accent6"/>
               </a:solidFill>
               <a:ln w="9525">
                 <a:solidFill>
-                  <a:schemeClr val="accent3"/>
+                  <a:schemeClr val="accent6"/>
                 </a:solidFill>
               </a:ln>
               <a:effectLst/>
@@ -1167,7 +1179,9 @@
           <c:spPr>
             <a:ln w="28575" cap="rnd">
               <a:solidFill>
-                <a:schemeClr val="accent4"/>
+                <a:schemeClr val="accent2">
+                  <a:lumMod val="60000"/>
+                </a:schemeClr>
               </a:solidFill>
               <a:round/>
             </a:ln>
@@ -1178,11 +1192,15 @@
             <c:size val="5"/>
             <c:spPr>
               <a:solidFill>
-                <a:schemeClr val="accent4"/>
+                <a:schemeClr val="accent2">
+                  <a:lumMod val="60000"/>
+                </a:schemeClr>
               </a:solidFill>
               <a:ln w="9525">
                 <a:solidFill>
-                  <a:schemeClr val="accent4"/>
+                  <a:schemeClr val="accent2">
+                    <a:lumMod val="60000"/>
+                  </a:schemeClr>
                 </a:solidFill>
               </a:ln>
               <a:effectLst/>
@@ -1228,7 +1246,9 @@
           <c:spPr>
             <a:ln w="28575" cap="rnd">
               <a:solidFill>
-                <a:schemeClr val="accent5"/>
+                <a:schemeClr val="accent4">
+                  <a:lumMod val="60000"/>
+                </a:schemeClr>
               </a:solidFill>
               <a:round/>
             </a:ln>
@@ -1239,11 +1259,15 @@
             <c:size val="5"/>
             <c:spPr>
               <a:solidFill>
-                <a:schemeClr val="accent5"/>
+                <a:schemeClr val="accent4">
+                  <a:lumMod val="60000"/>
+                </a:schemeClr>
               </a:solidFill>
               <a:ln w="9525">
                 <a:solidFill>
-                  <a:schemeClr val="accent5"/>
+                  <a:schemeClr val="accent4">
+                    <a:lumMod val="60000"/>
+                  </a:schemeClr>
                 </a:solidFill>
               </a:ln>
               <a:effectLst/>
@@ -1980,7 +2004,7 @@
           <c:spPr>
             <a:ln w="28575" cap="rnd">
               <a:solidFill>
-                <a:schemeClr val="accent1"/>
+                <a:schemeClr val="accent2"/>
               </a:solidFill>
               <a:round/>
             </a:ln>
@@ -1991,11 +2015,11 @@
             <c:size val="5"/>
             <c:spPr>
               <a:solidFill>
-                <a:schemeClr val="accent1"/>
+                <a:schemeClr val="accent2"/>
               </a:solidFill>
               <a:ln w="9525">
                 <a:solidFill>
-                  <a:schemeClr val="accent1"/>
+                  <a:schemeClr val="accent2"/>
                 </a:solidFill>
               </a:ln>
               <a:effectLst/>
@@ -2073,7 +2097,7 @@
           <c:spPr>
             <a:ln w="28575" cap="rnd">
               <a:solidFill>
-                <a:schemeClr val="accent2"/>
+                <a:schemeClr val="accent4"/>
               </a:solidFill>
               <a:round/>
             </a:ln>
@@ -2084,11 +2108,11 @@
             <c:size val="5"/>
             <c:spPr>
               <a:solidFill>
-                <a:schemeClr val="accent2"/>
+                <a:schemeClr val="accent4"/>
               </a:solidFill>
               <a:ln w="9525">
                 <a:solidFill>
-                  <a:schemeClr val="accent2"/>
+                  <a:schemeClr val="accent4"/>
                 </a:solidFill>
               </a:ln>
               <a:effectLst/>
@@ -2166,7 +2190,7 @@
           <c:spPr>
             <a:ln w="28575" cap="rnd">
               <a:solidFill>
-                <a:schemeClr val="accent3"/>
+                <a:schemeClr val="accent6"/>
               </a:solidFill>
               <a:round/>
             </a:ln>
@@ -2177,11 +2201,11 @@
             <c:size val="5"/>
             <c:spPr>
               <a:solidFill>
-                <a:schemeClr val="accent3"/>
+                <a:schemeClr val="accent6"/>
               </a:solidFill>
               <a:ln w="9525">
                 <a:solidFill>
-                  <a:schemeClr val="accent3"/>
+                  <a:schemeClr val="accent6"/>
                 </a:solidFill>
               </a:ln>
               <a:effectLst/>
@@ -2259,7 +2283,9 @@
           <c:spPr>
             <a:ln w="28575" cap="rnd">
               <a:solidFill>
-                <a:schemeClr val="accent4"/>
+                <a:schemeClr val="accent2">
+                  <a:lumMod val="60000"/>
+                </a:schemeClr>
               </a:solidFill>
               <a:round/>
             </a:ln>
@@ -2270,11 +2296,15 @@
             <c:size val="5"/>
             <c:spPr>
               <a:solidFill>
-                <a:schemeClr val="accent4"/>
+                <a:schemeClr val="accent2">
+                  <a:lumMod val="60000"/>
+                </a:schemeClr>
               </a:solidFill>
               <a:ln w="9525">
                 <a:solidFill>
-                  <a:schemeClr val="accent4"/>
+                  <a:schemeClr val="accent2">
+                    <a:lumMod val="60000"/>
+                  </a:schemeClr>
                 </a:solidFill>
               </a:ln>
               <a:effectLst/>
@@ -2352,7 +2382,9 @@
           <c:spPr>
             <a:ln w="28575" cap="rnd">
               <a:solidFill>
-                <a:schemeClr val="accent5"/>
+                <a:schemeClr val="accent4">
+                  <a:lumMod val="60000"/>
+                </a:schemeClr>
               </a:solidFill>
               <a:round/>
             </a:ln>
@@ -2363,11 +2395,15 @@
             <c:size val="5"/>
             <c:spPr>
               <a:solidFill>
-                <a:schemeClr val="accent5"/>
+                <a:schemeClr val="accent4">
+                  <a:lumMod val="60000"/>
+                </a:schemeClr>
               </a:solidFill>
               <a:ln w="9525">
                 <a:solidFill>
-                  <a:schemeClr val="accent5"/>
+                  <a:schemeClr val="accent4">
+                    <a:lumMod val="60000"/>
+                  </a:schemeClr>
                 </a:solidFill>
               </a:ln>
               <a:effectLst/>
@@ -3033,12 +3069,9 @@
 </file>
 
 <file path=ppt/charts/colors1.xml><?xml version="1.0" encoding="utf-8"?>
-<cs:colorStyle xmlns:cs="http://schemas.microsoft.com/office/drawing/2012/chartStyle" xmlns:a="http://schemas.openxmlformats.org/drawingml/2006/main" meth="cycle" id="10">
-  <a:schemeClr val="accent1"/>
+<cs:colorStyle xmlns:cs="http://schemas.microsoft.com/office/drawing/2012/chartStyle" xmlns:a="http://schemas.openxmlformats.org/drawingml/2006/main" meth="cycle" id="12">
   <a:schemeClr val="accent2"/>
-  <a:schemeClr val="accent3"/>
   <a:schemeClr val="accent4"/>
-  <a:schemeClr val="accent5"/>
   <a:schemeClr val="accent6"/>
   <cs:variation/>
   <cs:variation>
@@ -3073,12 +3106,9 @@
 </file>
 
 <file path=ppt/charts/colors2.xml><?xml version="1.0" encoding="utf-8"?>
-<cs:colorStyle xmlns:cs="http://schemas.microsoft.com/office/drawing/2012/chartStyle" xmlns:a="http://schemas.openxmlformats.org/drawingml/2006/main" meth="cycle" id="10">
-  <a:schemeClr val="accent1"/>
+<cs:colorStyle xmlns:cs="http://schemas.microsoft.com/office/drawing/2012/chartStyle" xmlns:a="http://schemas.openxmlformats.org/drawingml/2006/main" meth="cycle" id="12">
   <a:schemeClr val="accent2"/>
-  <a:schemeClr val="accent3"/>
   <a:schemeClr val="accent4"/>
-  <a:schemeClr val="accent5"/>
   <a:schemeClr val="accent6"/>
   <cs:variation/>
   <cs:variation>
@@ -3150,12 +3180,9 @@
 </file>
 
 <file path=ppt/charts/colors4.xml><?xml version="1.0" encoding="utf-8"?>
-<cs:colorStyle xmlns:cs="http://schemas.microsoft.com/office/drawing/2012/chartStyle" xmlns:a="http://schemas.openxmlformats.org/drawingml/2006/main" meth="cycle" id="10">
-  <a:schemeClr val="accent1"/>
+<cs:colorStyle xmlns:cs="http://schemas.microsoft.com/office/drawing/2012/chartStyle" xmlns:a="http://schemas.openxmlformats.org/drawingml/2006/main" meth="cycle" id="12">
   <a:schemeClr val="accent2"/>
-  <a:schemeClr val="accent3"/>
   <a:schemeClr val="accent4"/>
-  <a:schemeClr val="accent5"/>
   <a:schemeClr val="accent6"/>
   <cs:variation/>
   <cs:variation>
@@ -6347,7 +6374,45 @@
           <a:bodyPr/>
           <a:lstStyle/>
           <a:p>
-            <a:endParaRPr lang="it-IT"/>
+            <a:r>
+              <a:rPr lang="en-US" dirty="0"/>
+              <a:t>SLIDE 1 - DOMENICO</a:t>
+            </a:r>
+          </a:p>
+          <a:p>
+            <a:r>
+              <a:rPr lang="en-US" dirty="0"/>
+              <a:t>Good afternoon </a:t>
+            </a:r>
+            <a:r>
+              <a:rPr lang="en-US"/>
+              <a:t>to everyone, </a:t>
+            </a:r>
+            <a:r>
+              <a:rPr lang="en-US" dirty="0"/>
+              <a:t>I am Domenico Ragusa and with my colleague Danilo </a:t>
+            </a:r>
+            <a:r>
+              <a:rPr lang="en-US" dirty="0" err="1"/>
+              <a:t>Modica</a:t>
+            </a:r>
+            <a:r>
+              <a:rPr lang="en-US" dirty="0"/>
+              <a:t> we have chosen the optimized matrix multiplication and inversion project.</a:t>
+            </a:r>
+          </a:p>
+          <a:p>
+            <a:r>
+              <a:rPr lang="en-US" dirty="0"/>
+              <a:t>As framework for parallelization we used both OpenMP and CUDA to try to get the lowest possible execution times, as we will present next.</a:t>
+            </a:r>
+          </a:p>
+          <a:p>
+            <a:r>
+              <a:rPr lang="en-US" dirty="0"/>
+              <a:t>*CAMBIO*</a:t>
+            </a:r>
+            <a:endParaRPr lang="it-IT" dirty="0"/>
           </a:p>
         </p:txBody>
       </p:sp>
@@ -6384,6 +6449,105 @@
     <p:extLst>
       <p:ext uri="{BB962C8B-B14F-4D97-AF65-F5344CB8AC3E}">
         <p14:creationId xmlns:p14="http://schemas.microsoft.com/office/powerpoint/2010/main" val="2860877406"/>
+      </p:ext>
+    </p:extLst>
+  </p:cSld>
+  <p:clrMapOvr>
+    <a:masterClrMapping/>
+  </p:clrMapOvr>
+</p:notes>
+</file>
+
+<file path=ppt/notesSlides/notesSlide10.xml><?xml version="1.0" encoding="utf-8"?>
+<p:notes xmlns:a="http://schemas.openxmlformats.org/drawingml/2006/main" xmlns:r="http://schemas.openxmlformats.org/officeDocument/2006/relationships" xmlns:p="http://schemas.openxmlformats.org/presentationml/2006/main">
+  <p:cSld>
+    <p:spTree>
+      <p:nvGrpSpPr>
+        <p:cNvPr id="1" name=""/>
+        <p:cNvGrpSpPr/>
+        <p:nvPr/>
+      </p:nvGrpSpPr>
+      <p:grpSpPr>
+        <a:xfrm>
+          <a:off x="0" y="0"/>
+          <a:ext cx="0" cy="0"/>
+          <a:chOff x="0" y="0"/>
+          <a:chExt cx="0" cy="0"/>
+        </a:xfrm>
+      </p:grpSpPr>
+      <p:sp>
+        <p:nvSpPr>
+          <p:cNvPr id="2" name="Segnaposto immagine diapositiva 1"/>
+          <p:cNvSpPr>
+            <a:spLocks noGrp="1" noRot="1" noChangeAspect="1"/>
+          </p:cNvSpPr>
+          <p:nvPr>
+            <p:ph type="sldImg"/>
+          </p:nvPr>
+        </p:nvSpPr>
+        <p:spPr/>
+      </p:sp>
+      <p:sp>
+        <p:nvSpPr>
+          <p:cNvPr id="3" name="Segnaposto note 2"/>
+          <p:cNvSpPr>
+            <a:spLocks noGrp="1"/>
+          </p:cNvSpPr>
+          <p:nvPr>
+            <p:ph type="body" idx="1"/>
+          </p:nvPr>
+        </p:nvSpPr>
+        <p:spPr/>
+        <p:txBody>
+          <a:bodyPr/>
+          <a:lstStyle/>
+          <a:p>
+            <a:r>
+              <a:rPr lang="en-US" dirty="0"/>
+              <a:t>SLIDE 10 - DANILO</a:t>
+            </a:r>
+          </a:p>
+          <a:p>
+            <a:r>
+              <a:rPr lang="en-US" dirty="0"/>
+              <a:t>We have concluded and we thank you for your attention.</a:t>
+            </a:r>
+          </a:p>
+        </p:txBody>
+      </p:sp>
+      <p:sp>
+        <p:nvSpPr>
+          <p:cNvPr id="4" name="Segnaposto numero diapositiva 3"/>
+          <p:cNvSpPr>
+            <a:spLocks noGrp="1"/>
+          </p:cNvSpPr>
+          <p:nvPr>
+            <p:ph type="sldNum" sz="quarter" idx="5"/>
+          </p:nvPr>
+        </p:nvSpPr>
+        <p:spPr/>
+        <p:txBody>
+          <a:bodyPr/>
+          <a:lstStyle/>
+          <a:p>
+            <a:pPr>
+              <a:defRPr/>
+            </a:pPr>
+            <a:fld id="{81C4DC4B-9E64-B84E-9720-879485C6D125}" type="slidenum">
+              <a:rPr lang="ru-RU" altLang="it-IT" smtClean="0"/>
+              <a:pPr>
+                <a:defRPr/>
+              </a:pPr>
+              <a:t>10</a:t>
+            </a:fld>
+            <a:endParaRPr lang="ru-RU" altLang="it-IT"/>
+          </a:p>
+        </p:txBody>
+      </p:sp>
+    </p:spTree>
+    <p:extLst>
+      <p:ext uri="{BB962C8B-B14F-4D97-AF65-F5344CB8AC3E}">
+        <p14:creationId xmlns:p14="http://schemas.microsoft.com/office/powerpoint/2010/main" val="1353114608"/>
       </p:ext>
     </p:extLst>
   </p:cSld>
@@ -6437,7 +6601,184 @@
           <a:bodyPr/>
           <a:lstStyle/>
           <a:p>
-            <a:endParaRPr lang="en-US"/>
+            <a:r>
+              <a:rPr lang="en-US" dirty="0"/>
+              <a:t>SLIDE 2 - DOMENICO</a:t>
+            </a:r>
+          </a:p>
+          <a:p>
+            <a:r>
+              <a:rPr lang="en-US" dirty="0"/>
+              <a:t>Let's start with the multiplication problem. As shown in the figure, given a matrix A whose dimensions are n x m and B whose dimensions are m x p, with multiplication we obtain a matrix C n x p whose elements are calculated as a summation of products between each element in a row of A with the corresponding one in the corresponding column of the matrix B. So, to calculate each element the above summation is calculated each time.</a:t>
+            </a:r>
+          </a:p>
+          <a:p>
+            <a:pPr marL="0" marR="0" lvl="0" indent="0" algn="l" defTabSz="914400" rtl="0" eaLnBrk="0" fontAlgn="base" latinLnBrk="0" hangingPunct="0">
+              <a:lnSpc>
+                <a:spcPct val="100000"/>
+              </a:lnSpc>
+              <a:spcBef>
+                <a:spcPct val="30000"/>
+              </a:spcBef>
+              <a:spcAft>
+                <a:spcPct val="0"/>
+              </a:spcAft>
+              <a:buClrTx/>
+              <a:buSzTx/>
+              <a:buFontTx/>
+              <a:buNone/>
+              <a:tabLst/>
+              <a:defRPr/>
+            </a:pPr>
+            <a:r>
+              <a:rPr lang="en-US" dirty="0"/>
+              <a:t>*CAMBIO*</a:t>
+            </a:r>
+            <a:endParaRPr lang="it-IT" dirty="0"/>
+          </a:p>
+          <a:p>
+            <a:endParaRPr lang="en-US" dirty="0"/>
+          </a:p>
+          <a:p>
+            <a:r>
+              <a:rPr lang="en-US" dirty="0"/>
+              <a:t>The serial program from which we started was written as a training exercise during the writing of my bachelor thesis and it is structured in such a way as to allocate the necessary memory, then read the two matrices, perform the multiplication and finally write the results to a file.</a:t>
+            </a:r>
+          </a:p>
+          <a:p>
+            <a:pPr marL="0" marR="0" lvl="0" indent="0" algn="l" defTabSz="914400" rtl="0" eaLnBrk="0" fontAlgn="base" latinLnBrk="0" hangingPunct="0">
+              <a:lnSpc>
+                <a:spcPct val="100000"/>
+              </a:lnSpc>
+              <a:spcBef>
+                <a:spcPct val="30000"/>
+              </a:spcBef>
+              <a:spcAft>
+                <a:spcPct val="0"/>
+              </a:spcAft>
+              <a:buClrTx/>
+              <a:buSzTx/>
+              <a:buFontTx/>
+              <a:buNone/>
+              <a:tabLst/>
+              <a:defRPr/>
+            </a:pPr>
+            <a:r>
+              <a:rPr lang="en-US" dirty="0"/>
+              <a:t>*CAMBIO*</a:t>
+            </a:r>
+            <a:endParaRPr lang="it-IT" dirty="0"/>
+          </a:p>
+          <a:p>
+            <a:endParaRPr lang="en-US" dirty="0"/>
+          </a:p>
+          <a:p>
+            <a:pPr marL="0" marR="0" lvl="0" indent="0" algn="l" defTabSz="914400" rtl="0" eaLnBrk="0" fontAlgn="base" latinLnBrk="0" hangingPunct="0">
+              <a:lnSpc>
+                <a:spcPct val="100000"/>
+              </a:lnSpc>
+              <a:spcBef>
+                <a:spcPct val="30000"/>
+              </a:spcBef>
+              <a:spcAft>
+                <a:spcPct val="0"/>
+              </a:spcAft>
+              <a:buClrTx/>
+              <a:buSzTx/>
+              <a:buFontTx/>
+              <a:buNone/>
+              <a:tabLst/>
+              <a:defRPr/>
+            </a:pPr>
+            <a:r>
+              <a:rPr lang="en-US" dirty="0"/>
+              <a:t>The multiplication function has been obtained by means of three nested for loops designed to implement the above summation using indices </a:t>
+            </a:r>
+            <a:r>
+              <a:rPr lang="en-US" dirty="0" err="1"/>
+              <a:t>i</a:t>
+            </a:r>
+            <a:r>
+              <a:rPr lang="en-US" dirty="0"/>
+              <a:t>, j, k. </a:t>
+            </a:r>
+          </a:p>
+          <a:p>
+            <a:pPr marL="0" marR="0" lvl="0" indent="0" algn="l" defTabSz="914400" rtl="0" eaLnBrk="0" fontAlgn="base" latinLnBrk="0" hangingPunct="0">
+              <a:lnSpc>
+                <a:spcPct val="100000"/>
+              </a:lnSpc>
+              <a:spcBef>
+                <a:spcPct val="30000"/>
+              </a:spcBef>
+              <a:spcAft>
+                <a:spcPct val="0"/>
+              </a:spcAft>
+              <a:buClrTx/>
+              <a:buSzTx/>
+              <a:buFontTx/>
+              <a:buNone/>
+              <a:tabLst/>
+              <a:defRPr/>
+            </a:pPr>
+            <a:r>
+              <a:rPr lang="en-US" dirty="0"/>
+              <a:t>*CAMBIO*</a:t>
+            </a:r>
+            <a:endParaRPr lang="it-IT" dirty="0"/>
+          </a:p>
+          <a:p>
+            <a:endParaRPr lang="en-US" dirty="0"/>
+          </a:p>
+          <a:p>
+            <a:pPr marL="0" marR="0" lvl="0" indent="0" algn="l" defTabSz="914400" rtl="0" eaLnBrk="0" fontAlgn="base" latinLnBrk="0" hangingPunct="0">
+              <a:lnSpc>
+                <a:spcPct val="100000"/>
+              </a:lnSpc>
+              <a:spcBef>
+                <a:spcPct val="30000"/>
+              </a:spcBef>
+              <a:spcAft>
+                <a:spcPct val="0"/>
+              </a:spcAft>
+              <a:buClrTx/>
+              <a:buSzTx/>
+              <a:buFontTx/>
+              <a:buNone/>
+              <a:tabLst/>
+              <a:defRPr/>
+            </a:pPr>
+            <a:r>
+              <a:rPr lang="en-US" dirty="0"/>
+              <a:t>Another possibility that was evaluated was to divide the calculation of the matrix result in tiles, as seen in the lab, to obtain some improvements due to the exploitation of cache and principle of locality. Here we report the serial in which a single thread iterates between multiple tiles and in each tile calculates the known summation. </a:t>
+            </a:r>
+          </a:p>
+          <a:p>
+            <a:pPr marL="0" marR="0" lvl="0" indent="0" algn="l" defTabSz="914400" rtl="0" eaLnBrk="0" fontAlgn="base" latinLnBrk="0" hangingPunct="0">
+              <a:lnSpc>
+                <a:spcPct val="100000"/>
+              </a:lnSpc>
+              <a:spcBef>
+                <a:spcPct val="30000"/>
+              </a:spcBef>
+              <a:spcAft>
+                <a:spcPct val="0"/>
+              </a:spcAft>
+              <a:buClrTx/>
+              <a:buSzTx/>
+              <a:buFontTx/>
+              <a:buNone/>
+              <a:tabLst/>
+              <a:defRPr/>
+            </a:pPr>
+            <a:r>
+              <a:rPr lang="en-US" dirty="0"/>
+              <a:t>*CAMBIO*</a:t>
+            </a:r>
+            <a:endParaRPr lang="it-IT" dirty="0"/>
+          </a:p>
+          <a:p>
+            <a:endParaRPr lang="en-US" dirty="0"/>
           </a:p>
         </p:txBody>
       </p:sp>
@@ -6464,7 +6805,7 @@
               <a:pPr>
                 <a:defRPr/>
               </a:pPr>
-              <a:t>10</a:t>
+              <a:t>2</a:t>
             </a:fld>
             <a:endParaRPr lang="ru-RU" altLang="it-IT"/>
           </a:p>
@@ -6473,7 +6814,1619 @@
     </p:spTree>
     <p:extLst>
       <p:ext uri="{BB962C8B-B14F-4D97-AF65-F5344CB8AC3E}">
-        <p14:creationId xmlns:p14="http://schemas.microsoft.com/office/powerpoint/2010/main" val="1353114608"/>
+        <p14:creationId xmlns:p14="http://schemas.microsoft.com/office/powerpoint/2010/main" val="3678399347"/>
+      </p:ext>
+    </p:extLst>
+  </p:cSld>
+  <p:clrMapOvr>
+    <a:masterClrMapping/>
+  </p:clrMapOvr>
+</p:notes>
+</file>
+
+<file path=ppt/notesSlides/notesSlide3.xml><?xml version="1.0" encoding="utf-8"?>
+<p:notes xmlns:a="http://schemas.openxmlformats.org/drawingml/2006/main" xmlns:r="http://schemas.openxmlformats.org/officeDocument/2006/relationships" xmlns:p="http://schemas.openxmlformats.org/presentationml/2006/main">
+  <p:cSld>
+    <p:spTree>
+      <p:nvGrpSpPr>
+        <p:cNvPr id="1" name=""/>
+        <p:cNvGrpSpPr/>
+        <p:nvPr/>
+      </p:nvGrpSpPr>
+      <p:grpSpPr>
+        <a:xfrm>
+          <a:off x="0" y="0"/>
+          <a:ext cx="0" cy="0"/>
+          <a:chOff x="0" y="0"/>
+          <a:chExt cx="0" cy="0"/>
+        </a:xfrm>
+      </p:grpSpPr>
+      <p:sp>
+        <p:nvSpPr>
+          <p:cNvPr id="2" name="Segnaposto immagine diapositiva 1"/>
+          <p:cNvSpPr>
+            <a:spLocks noGrp="1" noRot="1" noChangeAspect="1"/>
+          </p:cNvSpPr>
+          <p:nvPr>
+            <p:ph type="sldImg"/>
+          </p:nvPr>
+        </p:nvSpPr>
+        <p:spPr/>
+      </p:sp>
+      <p:sp>
+        <p:nvSpPr>
+          <p:cNvPr id="3" name="Segnaposto note 2"/>
+          <p:cNvSpPr>
+            <a:spLocks noGrp="1"/>
+          </p:cNvSpPr>
+          <p:nvPr>
+            <p:ph type="body" idx="1"/>
+          </p:nvPr>
+        </p:nvSpPr>
+        <p:spPr/>
+        <p:txBody>
+          <a:bodyPr/>
+          <a:lstStyle/>
+          <a:p>
+            <a:r>
+              <a:rPr lang="en-US" dirty="0"/>
+              <a:t>SLIDE 3 - DOMENICO</a:t>
+            </a:r>
+          </a:p>
+          <a:p>
+            <a:r>
+              <a:rPr lang="en-US" dirty="0"/>
+              <a:t>To study the a-prior parallelism and to understand on which parts of the program we needed to act we used the </a:t>
+            </a:r>
+            <a:r>
+              <a:rPr lang="en-US" dirty="0" err="1"/>
+              <a:t>Gprof</a:t>
+            </a:r>
+            <a:r>
+              <a:rPr lang="en-US" dirty="0"/>
+              <a:t> profiler, on two 1024 order matrices, that, as shown in the figure, indicates in the </a:t>
+            </a:r>
+            <a:r>
+              <a:rPr lang="en-US" dirty="0" err="1"/>
+              <a:t>matrixMul</a:t>
+            </a:r>
+            <a:r>
+              <a:rPr lang="en-US" dirty="0"/>
+              <a:t> the function that occupies most of the time and this is why we </a:t>
+            </a:r>
+            <a:r>
+              <a:rPr lang="en-US" dirty="0" err="1"/>
+              <a:t>deciced</a:t>
+            </a:r>
+            <a:r>
+              <a:rPr lang="en-US" dirty="0"/>
+              <a:t> to parallelize only it, while the others, being I/O functions with low occupation of time, have not been optimized.</a:t>
+            </a:r>
+          </a:p>
+          <a:p>
+            <a:pPr marL="0" marR="0" lvl="0" indent="0" algn="l" defTabSz="914400" rtl="0" eaLnBrk="0" fontAlgn="base" latinLnBrk="0" hangingPunct="0">
+              <a:lnSpc>
+                <a:spcPct val="100000"/>
+              </a:lnSpc>
+              <a:spcBef>
+                <a:spcPct val="30000"/>
+              </a:spcBef>
+              <a:spcAft>
+                <a:spcPct val="0"/>
+              </a:spcAft>
+              <a:buClrTx/>
+              <a:buSzTx/>
+              <a:buFontTx/>
+              <a:buNone/>
+              <a:tabLst/>
+              <a:defRPr/>
+            </a:pPr>
+            <a:r>
+              <a:rPr lang="en-US" dirty="0"/>
+              <a:t>*CAMBIO*</a:t>
+            </a:r>
+            <a:endParaRPr lang="it-IT" dirty="0"/>
+          </a:p>
+          <a:p>
+            <a:endParaRPr lang="en-US" dirty="0"/>
+          </a:p>
+          <a:p>
+            <a:r>
+              <a:rPr lang="en-US" dirty="0"/>
+              <a:t>Instead, to assess the maximum speedup that could be obtained we used the Amdahl's law whose formula is given in the picture and which we used as seen in lectures. </a:t>
+            </a:r>
+          </a:p>
+          <a:p>
+            <a:endParaRPr lang="en-US" dirty="0"/>
+          </a:p>
+          <a:p>
+            <a:r>
+              <a:rPr lang="en-US" dirty="0"/>
+              <a:t>Here the </a:t>
+            </a:r>
+            <a:r>
+              <a:rPr lang="en-US" dirty="0" err="1"/>
+              <a:t>fraction_enhanced</a:t>
+            </a:r>
+            <a:r>
+              <a:rPr lang="en-US" dirty="0"/>
+              <a:t> was calculated as the ratio between the time of the function parallelizable divided by the total time while, since it was thought that increasing the number of threads you get a proportional speedup, then we took as </a:t>
+            </a:r>
+            <a:r>
+              <a:rPr lang="en-US" dirty="0" err="1"/>
+              <a:t>speedup_enhanced</a:t>
+            </a:r>
+            <a:r>
+              <a:rPr lang="en-US" dirty="0"/>
+              <a:t> 24 which is the maximum number of threads used to obtain data with OpenMP and 640 for CUDA.</a:t>
+            </a:r>
+          </a:p>
+          <a:p>
+            <a:pPr marL="0" marR="0" lvl="0" indent="0" algn="l" defTabSz="914400" rtl="0" eaLnBrk="0" fontAlgn="base" latinLnBrk="0" hangingPunct="0">
+              <a:lnSpc>
+                <a:spcPct val="100000"/>
+              </a:lnSpc>
+              <a:spcBef>
+                <a:spcPct val="30000"/>
+              </a:spcBef>
+              <a:spcAft>
+                <a:spcPct val="0"/>
+              </a:spcAft>
+              <a:buClrTx/>
+              <a:buSzTx/>
+              <a:buFontTx/>
+              <a:buNone/>
+              <a:tabLst/>
+              <a:defRPr/>
+            </a:pPr>
+            <a:r>
+              <a:rPr lang="en-US" dirty="0"/>
+              <a:t>*CAMBIO*</a:t>
+            </a:r>
+            <a:endParaRPr lang="it-IT" dirty="0"/>
+          </a:p>
+          <a:p>
+            <a:endParaRPr lang="en-US" dirty="0"/>
+          </a:p>
+          <a:p>
+            <a:r>
+              <a:rPr lang="en-US" dirty="0"/>
+              <a:t>Substituting in the formula we obtained a theoretical speedup of 24 for OpenMP and 640 for the CUDA implementation.</a:t>
+            </a:r>
+          </a:p>
+          <a:p>
+            <a:pPr marL="0" marR="0" lvl="0" indent="0" algn="l" defTabSz="914400" rtl="0" eaLnBrk="0" fontAlgn="base" latinLnBrk="0" hangingPunct="0">
+              <a:lnSpc>
+                <a:spcPct val="100000"/>
+              </a:lnSpc>
+              <a:spcBef>
+                <a:spcPct val="30000"/>
+              </a:spcBef>
+              <a:spcAft>
+                <a:spcPct val="0"/>
+              </a:spcAft>
+              <a:buClrTx/>
+              <a:buSzTx/>
+              <a:buFontTx/>
+              <a:buNone/>
+              <a:tabLst/>
+              <a:defRPr/>
+            </a:pPr>
+            <a:r>
+              <a:rPr lang="en-US" dirty="0"/>
+              <a:t>*CAMBIO*</a:t>
+            </a:r>
+            <a:endParaRPr lang="it-IT" dirty="0"/>
+          </a:p>
+          <a:p>
+            <a:endParaRPr lang="en-US" dirty="0"/>
+          </a:p>
+        </p:txBody>
+      </p:sp>
+      <p:sp>
+        <p:nvSpPr>
+          <p:cNvPr id="4" name="Segnaposto numero diapositiva 3"/>
+          <p:cNvSpPr>
+            <a:spLocks noGrp="1"/>
+          </p:cNvSpPr>
+          <p:nvPr>
+            <p:ph type="sldNum" sz="quarter" idx="5"/>
+          </p:nvPr>
+        </p:nvSpPr>
+        <p:spPr/>
+        <p:txBody>
+          <a:bodyPr/>
+          <a:lstStyle/>
+          <a:p>
+            <a:pPr>
+              <a:defRPr/>
+            </a:pPr>
+            <a:fld id="{81C4DC4B-9E64-B84E-9720-879485C6D125}" type="slidenum">
+              <a:rPr lang="ru-RU" altLang="it-IT" smtClean="0"/>
+              <a:pPr>
+                <a:defRPr/>
+              </a:pPr>
+              <a:t>3</a:t>
+            </a:fld>
+            <a:endParaRPr lang="ru-RU" altLang="it-IT"/>
+          </a:p>
+        </p:txBody>
+      </p:sp>
+    </p:spTree>
+    <p:extLst>
+      <p:ext uri="{BB962C8B-B14F-4D97-AF65-F5344CB8AC3E}">
+        <p14:creationId xmlns:p14="http://schemas.microsoft.com/office/powerpoint/2010/main" val="10063800"/>
+      </p:ext>
+    </p:extLst>
+  </p:cSld>
+  <p:clrMapOvr>
+    <a:masterClrMapping/>
+  </p:clrMapOvr>
+</p:notes>
+</file>
+
+<file path=ppt/notesSlides/notesSlide4.xml><?xml version="1.0" encoding="utf-8"?>
+<p:notes xmlns:a="http://schemas.openxmlformats.org/drawingml/2006/main" xmlns:r="http://schemas.openxmlformats.org/officeDocument/2006/relationships" xmlns:p="http://schemas.openxmlformats.org/presentationml/2006/main">
+  <p:cSld>
+    <p:spTree>
+      <p:nvGrpSpPr>
+        <p:cNvPr id="1" name=""/>
+        <p:cNvGrpSpPr/>
+        <p:nvPr/>
+      </p:nvGrpSpPr>
+      <p:grpSpPr>
+        <a:xfrm>
+          <a:off x="0" y="0"/>
+          <a:ext cx="0" cy="0"/>
+          <a:chOff x="0" y="0"/>
+          <a:chExt cx="0" cy="0"/>
+        </a:xfrm>
+      </p:grpSpPr>
+      <p:sp>
+        <p:nvSpPr>
+          <p:cNvPr id="2" name="Segnaposto immagine diapositiva 1"/>
+          <p:cNvSpPr>
+            <a:spLocks noGrp="1" noRot="1" noChangeAspect="1"/>
+          </p:cNvSpPr>
+          <p:nvPr>
+            <p:ph type="sldImg"/>
+          </p:nvPr>
+        </p:nvSpPr>
+        <p:spPr/>
+      </p:sp>
+      <p:sp>
+        <p:nvSpPr>
+          <p:cNvPr id="3" name="Segnaposto note 2"/>
+          <p:cNvSpPr>
+            <a:spLocks noGrp="1"/>
+          </p:cNvSpPr>
+          <p:nvPr>
+            <p:ph type="body" idx="1"/>
+          </p:nvPr>
+        </p:nvSpPr>
+        <p:spPr/>
+        <p:txBody>
+          <a:bodyPr/>
+          <a:lstStyle/>
+          <a:p>
+            <a:r>
+              <a:rPr lang="en-US" dirty="0"/>
+              <a:t>SLIDE 4 - DANILO</a:t>
+            </a:r>
+          </a:p>
+          <a:p>
+            <a:r>
+              <a:rPr lang="en-US" dirty="0"/>
+              <a:t>To speedup the multiplication function we tried three different approaches using both OpenMP and CUDA:</a:t>
+            </a:r>
+          </a:p>
+          <a:p>
+            <a:endParaRPr lang="en-US" dirty="0"/>
+          </a:p>
+          <a:p>
+            <a:r>
+              <a:rPr lang="en-US" dirty="0"/>
+              <a:t>- We called the first approach parallelization by rows, in fact since each element in the result matrix can be calculated independently from the others, we assigned to each thread a row of that matrix , as illustrated in the figure on the right. As shown on the left, for OpenMP implementation we simply used the pragma </a:t>
+            </a:r>
+            <a:r>
+              <a:rPr lang="en-US" dirty="0" err="1"/>
+              <a:t>omp</a:t>
+            </a:r>
+            <a:r>
+              <a:rPr lang="en-US" dirty="0"/>
+              <a:t> for directive on the outermost loop to assign to each thread an iteration of the loop at a time with a dynamic scheduling. The result matrix m3 was declared shared in order to be filled in simultaneously by all threads.</a:t>
+            </a:r>
+          </a:p>
+          <a:p>
+            <a:pPr marL="0" marR="0" lvl="0" indent="0" algn="l" defTabSz="914400" rtl="0" eaLnBrk="0" fontAlgn="base" latinLnBrk="0" hangingPunct="0">
+              <a:lnSpc>
+                <a:spcPct val="100000"/>
+              </a:lnSpc>
+              <a:spcBef>
+                <a:spcPct val="30000"/>
+              </a:spcBef>
+              <a:spcAft>
+                <a:spcPct val="0"/>
+              </a:spcAft>
+              <a:buClrTx/>
+              <a:buSzTx/>
+              <a:buFontTx/>
+              <a:buNone/>
+              <a:tabLst/>
+              <a:defRPr/>
+            </a:pPr>
+            <a:r>
+              <a:rPr lang="en-US" dirty="0"/>
+              <a:t>*CAMBIO*</a:t>
+            </a:r>
+            <a:endParaRPr lang="it-IT" dirty="0"/>
+          </a:p>
+          <a:p>
+            <a:endParaRPr lang="en-US" dirty="0"/>
+          </a:p>
+          <a:p>
+            <a:r>
+              <a:rPr lang="en-US" dirty="0"/>
+              <a:t>- The second approach is the parallelization per tiles, in fact we subdivided the result matrix into tiles and each thread works with a tile, as illustrated in the figure on the right. The size of the block is 64, since it is a power of 2 and it allows to have at least one block per thread with matrices greater than 512. Here for the implementation, we call  the </a:t>
+            </a:r>
+            <a:r>
+              <a:rPr lang="en-US" dirty="0" err="1"/>
+              <a:t>matrix_mul</a:t>
+            </a:r>
+            <a:r>
+              <a:rPr lang="en-US" dirty="0"/>
+              <a:t> function on the main after opening a parallel region and using pragma </a:t>
+            </a:r>
+            <a:r>
+              <a:rPr lang="en-US" dirty="0" err="1"/>
+              <a:t>omp</a:t>
+            </a:r>
+            <a:r>
+              <a:rPr lang="en-US" dirty="0"/>
+              <a:t> single directive, because within the function, as shown on the left, we used tasks on the three innermost loops, so that each tile, who can be </a:t>
+            </a:r>
+            <a:r>
+              <a:rPr lang="en-US" dirty="0" err="1"/>
+              <a:t>tought</a:t>
+            </a:r>
+            <a:r>
+              <a:rPr lang="en-US" dirty="0"/>
+              <a:t> as a "work package", is associated to a single thread. With depend clauses we ensured the synchronization of threads, so to avoid writings on the same memory locations.</a:t>
+            </a:r>
+          </a:p>
+          <a:p>
+            <a:pPr marL="0" marR="0" lvl="0" indent="0" algn="l" defTabSz="914400" rtl="0" eaLnBrk="0" fontAlgn="base" latinLnBrk="0" hangingPunct="0">
+              <a:lnSpc>
+                <a:spcPct val="100000"/>
+              </a:lnSpc>
+              <a:spcBef>
+                <a:spcPct val="30000"/>
+              </a:spcBef>
+              <a:spcAft>
+                <a:spcPct val="0"/>
+              </a:spcAft>
+              <a:buClrTx/>
+              <a:buSzTx/>
+              <a:buFontTx/>
+              <a:buNone/>
+              <a:tabLst/>
+              <a:defRPr/>
+            </a:pPr>
+            <a:r>
+              <a:rPr lang="en-US" dirty="0"/>
+              <a:t>*CAMBIO*</a:t>
+            </a:r>
+            <a:endParaRPr lang="it-IT" dirty="0"/>
+          </a:p>
+          <a:p>
+            <a:endParaRPr lang="en-US" dirty="0"/>
+          </a:p>
+          <a:p>
+            <a:r>
+              <a:rPr lang="en-US" dirty="0"/>
+              <a:t>- The third approach is the parallelization per elements, in fact we assigned to each thread the concurrent computation of a single element of the result matrix, as depicted in the figure on the right. </a:t>
+            </a:r>
+          </a:p>
+          <a:p>
+            <a:r>
+              <a:rPr lang="en-US" dirty="0"/>
+              <a:t>To achieve this, we used CUDA exploiting the huge number of cores of the NVIDIA graphic card. Here the two outer loops were substituted by the GPU grid of threads and since it is not possible to store complex data structures, in the GPU memory, we used 1D array to linearize matrices so that each thread accesses to one element depending on its coordinates in the grid according to </a:t>
+            </a:r>
+            <a:r>
+              <a:rPr lang="en-US" dirty="0" err="1"/>
+              <a:t>ThreadId</a:t>
+            </a:r>
+            <a:r>
+              <a:rPr lang="en-US" dirty="0"/>
+              <a:t> and </a:t>
+            </a:r>
+            <a:r>
+              <a:rPr lang="en-US" dirty="0" err="1"/>
+              <a:t>BlockId</a:t>
+            </a:r>
+            <a:r>
+              <a:rPr lang="en-US" dirty="0"/>
+              <a:t>. The threads grid is subdivided into blocks of 32x32.</a:t>
+            </a:r>
+          </a:p>
+          <a:p>
+            <a:pPr marL="0" marR="0" lvl="0" indent="0" algn="l" defTabSz="914400" rtl="0" eaLnBrk="0" fontAlgn="base" latinLnBrk="0" hangingPunct="0">
+              <a:lnSpc>
+                <a:spcPct val="100000"/>
+              </a:lnSpc>
+              <a:spcBef>
+                <a:spcPct val="30000"/>
+              </a:spcBef>
+              <a:spcAft>
+                <a:spcPct val="0"/>
+              </a:spcAft>
+              <a:buClrTx/>
+              <a:buSzTx/>
+              <a:buFontTx/>
+              <a:buNone/>
+              <a:tabLst/>
+              <a:defRPr/>
+            </a:pPr>
+            <a:r>
+              <a:rPr lang="en-US" dirty="0"/>
+              <a:t>*CAMBIO*</a:t>
+            </a:r>
+            <a:endParaRPr lang="it-IT" dirty="0"/>
+          </a:p>
+          <a:p>
+            <a:endParaRPr lang="en-US" dirty="0"/>
+          </a:p>
+        </p:txBody>
+      </p:sp>
+      <p:sp>
+        <p:nvSpPr>
+          <p:cNvPr id="4" name="Segnaposto numero diapositiva 3"/>
+          <p:cNvSpPr>
+            <a:spLocks noGrp="1"/>
+          </p:cNvSpPr>
+          <p:nvPr>
+            <p:ph type="sldNum" sz="quarter" idx="5"/>
+          </p:nvPr>
+        </p:nvSpPr>
+        <p:spPr/>
+        <p:txBody>
+          <a:bodyPr/>
+          <a:lstStyle/>
+          <a:p>
+            <a:pPr>
+              <a:defRPr/>
+            </a:pPr>
+            <a:fld id="{81C4DC4B-9E64-B84E-9720-879485C6D125}" type="slidenum">
+              <a:rPr lang="ru-RU" altLang="it-IT" smtClean="0"/>
+              <a:pPr>
+                <a:defRPr/>
+              </a:pPr>
+              <a:t>4</a:t>
+            </a:fld>
+            <a:endParaRPr lang="ru-RU" altLang="it-IT"/>
+          </a:p>
+        </p:txBody>
+      </p:sp>
+    </p:spTree>
+    <p:extLst>
+      <p:ext uri="{BB962C8B-B14F-4D97-AF65-F5344CB8AC3E}">
+        <p14:creationId xmlns:p14="http://schemas.microsoft.com/office/powerpoint/2010/main" val="489591850"/>
+      </p:ext>
+    </p:extLst>
+  </p:cSld>
+  <p:clrMapOvr>
+    <a:masterClrMapping/>
+  </p:clrMapOvr>
+</p:notes>
+</file>
+
+<file path=ppt/notesSlides/notesSlide5.xml><?xml version="1.0" encoding="utf-8"?>
+<p:notes xmlns:a="http://schemas.openxmlformats.org/drawingml/2006/main" xmlns:r="http://schemas.openxmlformats.org/officeDocument/2006/relationships" xmlns:p="http://schemas.openxmlformats.org/presentationml/2006/main">
+  <p:cSld>
+    <p:spTree>
+      <p:nvGrpSpPr>
+        <p:cNvPr id="1" name=""/>
+        <p:cNvGrpSpPr/>
+        <p:nvPr/>
+      </p:nvGrpSpPr>
+      <p:grpSpPr>
+        <a:xfrm>
+          <a:off x="0" y="0"/>
+          <a:ext cx="0" cy="0"/>
+          <a:chOff x="0" y="0"/>
+          <a:chExt cx="0" cy="0"/>
+        </a:xfrm>
+      </p:grpSpPr>
+      <p:sp>
+        <p:nvSpPr>
+          <p:cNvPr id="2" name="Segnaposto immagine diapositiva 1"/>
+          <p:cNvSpPr>
+            <a:spLocks noGrp="1" noRot="1" noChangeAspect="1"/>
+          </p:cNvSpPr>
+          <p:nvPr>
+            <p:ph type="sldImg"/>
+          </p:nvPr>
+        </p:nvSpPr>
+        <p:spPr/>
+      </p:sp>
+      <p:sp>
+        <p:nvSpPr>
+          <p:cNvPr id="3" name="Segnaposto note 2"/>
+          <p:cNvSpPr>
+            <a:spLocks noGrp="1"/>
+          </p:cNvSpPr>
+          <p:nvPr>
+            <p:ph type="body" idx="1"/>
+          </p:nvPr>
+        </p:nvSpPr>
+        <p:spPr/>
+        <p:txBody>
+          <a:bodyPr/>
+          <a:lstStyle/>
+          <a:p>
+            <a:r>
+              <a:rPr lang="en-US" dirty="0"/>
+              <a:t>SLIDE 5 - DOMENICO</a:t>
+            </a:r>
+          </a:p>
+          <a:p>
+            <a:r>
+              <a:rPr lang="en-US" dirty="0"/>
+              <a:t>To carry out our test we used a virtual machine on Google Cloud Platform equipped with an N1 CPU platform with 24 vCPU and 22 GB of RAM running Ubuntu operating system.</a:t>
+            </a:r>
+          </a:p>
+          <a:p>
+            <a:r>
+              <a:rPr lang="en-US" dirty="0"/>
+              <a:t>As you can see with the first parallelization you get almost linear speedups up to the maximum of about 13 which is reached using 16 threads.</a:t>
+            </a:r>
+          </a:p>
+          <a:p>
+            <a:pPr marL="0" marR="0" lvl="0" indent="0" algn="l" defTabSz="914400" rtl="0" eaLnBrk="0" fontAlgn="base" latinLnBrk="0" hangingPunct="0">
+              <a:lnSpc>
+                <a:spcPct val="100000"/>
+              </a:lnSpc>
+              <a:spcBef>
+                <a:spcPct val="30000"/>
+              </a:spcBef>
+              <a:spcAft>
+                <a:spcPct val="0"/>
+              </a:spcAft>
+              <a:buClrTx/>
+              <a:buSzTx/>
+              <a:buFontTx/>
+              <a:buNone/>
+              <a:tabLst/>
+              <a:defRPr/>
+            </a:pPr>
+            <a:r>
+              <a:rPr lang="en-US" dirty="0"/>
+              <a:t>*CAMBIO*</a:t>
+            </a:r>
+            <a:endParaRPr lang="it-IT" dirty="0"/>
+          </a:p>
+          <a:p>
+            <a:endParaRPr lang="en-US" dirty="0"/>
+          </a:p>
+          <a:p>
+            <a:pPr marL="0" marR="0" lvl="0" indent="0" algn="l" defTabSz="914400" rtl="0" eaLnBrk="0" fontAlgn="base" latinLnBrk="0" hangingPunct="0">
+              <a:lnSpc>
+                <a:spcPct val="100000"/>
+              </a:lnSpc>
+              <a:spcBef>
+                <a:spcPct val="30000"/>
+              </a:spcBef>
+              <a:spcAft>
+                <a:spcPct val="0"/>
+              </a:spcAft>
+              <a:buClrTx/>
+              <a:buSzTx/>
+              <a:buFontTx/>
+              <a:buNone/>
+              <a:tabLst/>
+              <a:defRPr/>
+            </a:pPr>
+            <a:r>
+              <a:rPr lang="en-US" dirty="0"/>
+              <a:t>A similar behavior of the speedup is obtained with the parallelization per tiles as can be seen in the graph below but the main difference is the measure times which are significantly lower for the greater exploitation of the cache and the principle of locality, *CAMBIO* as reported in the table on the right where we compare rows and tiles approaches. As you can see, for example, with OpenMP we pass from about 20 s to 2 s with a matrix order of 3072. </a:t>
+            </a:r>
+          </a:p>
+          <a:p>
+            <a:r>
+              <a:rPr lang="en-US" dirty="0"/>
+              <a:t>In both cases speedups are lower than the calculated theoretical one due to the continuous memory accesses.</a:t>
+            </a:r>
+          </a:p>
+          <a:p>
+            <a:pPr marL="0" marR="0" lvl="0" indent="0" algn="l" defTabSz="914400" rtl="0" eaLnBrk="0" fontAlgn="base" latinLnBrk="0" hangingPunct="0">
+              <a:lnSpc>
+                <a:spcPct val="100000"/>
+              </a:lnSpc>
+              <a:spcBef>
+                <a:spcPct val="30000"/>
+              </a:spcBef>
+              <a:spcAft>
+                <a:spcPct val="0"/>
+              </a:spcAft>
+              <a:buClrTx/>
+              <a:buSzTx/>
+              <a:buFontTx/>
+              <a:buNone/>
+              <a:tabLst/>
+              <a:defRPr/>
+            </a:pPr>
+            <a:r>
+              <a:rPr lang="en-US" dirty="0"/>
+              <a:t>*CAMBIO*</a:t>
+            </a:r>
+            <a:endParaRPr lang="it-IT" dirty="0"/>
+          </a:p>
+          <a:p>
+            <a:endParaRPr lang="en-US" dirty="0"/>
+          </a:p>
+          <a:p>
+            <a:r>
+              <a:rPr lang="en-US" dirty="0"/>
+              <a:t>For CUDA instead we obtain much higher speedups but still lower than expected due to the kernel calls overhead and data transfers between CPU and GPU memory and vice-versa.</a:t>
+            </a:r>
+          </a:p>
+        </p:txBody>
+      </p:sp>
+      <p:sp>
+        <p:nvSpPr>
+          <p:cNvPr id="4" name="Segnaposto numero diapositiva 3"/>
+          <p:cNvSpPr>
+            <a:spLocks noGrp="1"/>
+          </p:cNvSpPr>
+          <p:nvPr>
+            <p:ph type="sldNum" sz="quarter" idx="5"/>
+          </p:nvPr>
+        </p:nvSpPr>
+        <p:spPr/>
+        <p:txBody>
+          <a:bodyPr/>
+          <a:lstStyle/>
+          <a:p>
+            <a:pPr>
+              <a:defRPr/>
+            </a:pPr>
+            <a:fld id="{81C4DC4B-9E64-B84E-9720-879485C6D125}" type="slidenum">
+              <a:rPr lang="ru-RU" altLang="it-IT" smtClean="0"/>
+              <a:pPr>
+                <a:defRPr/>
+              </a:pPr>
+              <a:t>5</a:t>
+            </a:fld>
+            <a:endParaRPr lang="ru-RU" altLang="it-IT"/>
+          </a:p>
+        </p:txBody>
+      </p:sp>
+    </p:spTree>
+    <p:extLst>
+      <p:ext uri="{BB962C8B-B14F-4D97-AF65-F5344CB8AC3E}">
+        <p14:creationId xmlns:p14="http://schemas.microsoft.com/office/powerpoint/2010/main" val="604077942"/>
+      </p:ext>
+    </p:extLst>
+  </p:cSld>
+  <p:clrMapOvr>
+    <a:masterClrMapping/>
+  </p:clrMapOvr>
+</p:notes>
+</file>
+
+<file path=ppt/notesSlides/notesSlide6.xml><?xml version="1.0" encoding="utf-8"?>
+<p:notes xmlns:a="http://schemas.openxmlformats.org/drawingml/2006/main" xmlns:r="http://schemas.openxmlformats.org/officeDocument/2006/relationships" xmlns:p="http://schemas.openxmlformats.org/presentationml/2006/main">
+  <p:cSld>
+    <p:spTree>
+      <p:nvGrpSpPr>
+        <p:cNvPr id="1" name=""/>
+        <p:cNvGrpSpPr/>
+        <p:nvPr/>
+      </p:nvGrpSpPr>
+      <p:grpSpPr>
+        <a:xfrm>
+          <a:off x="0" y="0"/>
+          <a:ext cx="0" cy="0"/>
+          <a:chOff x="0" y="0"/>
+          <a:chExt cx="0" cy="0"/>
+        </a:xfrm>
+      </p:grpSpPr>
+      <p:sp>
+        <p:nvSpPr>
+          <p:cNvPr id="2" name="Segnaposto immagine diapositiva 1"/>
+          <p:cNvSpPr>
+            <a:spLocks noGrp="1" noRot="1" noChangeAspect="1"/>
+          </p:cNvSpPr>
+          <p:nvPr>
+            <p:ph type="sldImg"/>
+          </p:nvPr>
+        </p:nvSpPr>
+        <p:spPr/>
+      </p:sp>
+      <p:sp>
+        <p:nvSpPr>
+          <p:cNvPr id="3" name="Segnaposto note 2"/>
+          <p:cNvSpPr>
+            <a:spLocks noGrp="1"/>
+          </p:cNvSpPr>
+          <p:nvPr>
+            <p:ph type="body" idx="1"/>
+          </p:nvPr>
+        </p:nvSpPr>
+        <p:spPr/>
+        <p:txBody>
+          <a:bodyPr/>
+          <a:lstStyle/>
+          <a:p>
+            <a:r>
+              <a:rPr lang="en-US" dirty="0"/>
+              <a:t>SLIDE 6 - DANILO</a:t>
+            </a:r>
+          </a:p>
+          <a:p>
+            <a:r>
+              <a:rPr lang="en-US" dirty="0"/>
+              <a:t>Now, let’s see the matrix inversion problem.</a:t>
+            </a:r>
+          </a:p>
+          <a:p>
+            <a:endParaRPr lang="en-US" dirty="0"/>
+          </a:p>
+          <a:p>
+            <a:r>
+              <a:rPr lang="en-US" dirty="0"/>
+              <a:t>To compute the inverse of a matrix we used the LU algorithm, since we studied it in the Numerical Methods course. </a:t>
+            </a:r>
+          </a:p>
+          <a:p>
+            <a:endParaRPr lang="en-US" dirty="0"/>
+          </a:p>
+          <a:p>
+            <a:r>
+              <a:rPr lang="en-US" dirty="0"/>
+              <a:t>The inverse of a matrix A is a matrix such that the product between A and itself gives the Identity matrix. Using LU decomposition matrix A is </a:t>
+            </a:r>
+            <a:r>
+              <a:rPr lang="en-US" dirty="0" err="1"/>
+              <a:t>splitted</a:t>
+            </a:r>
+            <a:r>
+              <a:rPr lang="en-US" dirty="0"/>
+              <a:t> into two matrices L (lower triangular) and U (upper triangular). So, the original system can be divided into two sub-systems. The first one can be solved with the forward substitution method and the result vector is used to solve the second with the backward substitution method.</a:t>
+            </a:r>
+          </a:p>
+          <a:p>
+            <a:pPr marL="0" marR="0" lvl="0" indent="0" algn="l" defTabSz="914400" rtl="0" eaLnBrk="0" fontAlgn="base" latinLnBrk="0" hangingPunct="0">
+              <a:lnSpc>
+                <a:spcPct val="100000"/>
+              </a:lnSpc>
+              <a:spcBef>
+                <a:spcPct val="30000"/>
+              </a:spcBef>
+              <a:spcAft>
+                <a:spcPct val="0"/>
+              </a:spcAft>
+              <a:buClrTx/>
+              <a:buSzTx/>
+              <a:buFontTx/>
+              <a:buNone/>
+              <a:tabLst/>
+              <a:defRPr/>
+            </a:pPr>
+            <a:r>
+              <a:rPr lang="en-US" dirty="0"/>
+              <a:t>*CAMBIO*</a:t>
+            </a:r>
+            <a:endParaRPr lang="it-IT" dirty="0"/>
+          </a:p>
+          <a:p>
+            <a:endParaRPr lang="en-US" dirty="0"/>
+          </a:p>
+          <a:p>
+            <a:r>
+              <a:rPr lang="en-US" dirty="0"/>
+              <a:t>Here, on the right, it is indicated our program structure where the core phase is the computation of the inverse matrix, that is divided into four parts: </a:t>
+            </a:r>
+          </a:p>
+          <a:p>
+            <a:r>
+              <a:rPr lang="en-US" dirty="0"/>
+              <a:t>- first the pivoting to avoid divisions by zero; </a:t>
+            </a:r>
+          </a:p>
+          <a:p>
+            <a:r>
+              <a:rPr lang="en-US" dirty="0"/>
+              <a:t>- then we apply the LU decomposition; </a:t>
+            </a:r>
+          </a:p>
+          <a:p>
+            <a:r>
+              <a:rPr lang="en-US" dirty="0"/>
+              <a:t>- we compute the determinant of the matrix to check if it can be inverted (determinant must be not equal to 0) by multiplying the determinant of L with determinant of U; </a:t>
+            </a:r>
+          </a:p>
+          <a:p>
+            <a:r>
+              <a:rPr lang="en-US" dirty="0"/>
+              <a:t>- finally, forward and backward substitutions are used to get the inverse matrix.</a:t>
+            </a:r>
+          </a:p>
+          <a:p>
+            <a:pPr marL="0" marR="0" lvl="0" indent="0" algn="l" defTabSz="914400" rtl="0" eaLnBrk="0" fontAlgn="base" latinLnBrk="0" hangingPunct="0">
+              <a:lnSpc>
+                <a:spcPct val="100000"/>
+              </a:lnSpc>
+              <a:spcBef>
+                <a:spcPct val="30000"/>
+              </a:spcBef>
+              <a:spcAft>
+                <a:spcPct val="0"/>
+              </a:spcAft>
+              <a:buClrTx/>
+              <a:buSzTx/>
+              <a:buFontTx/>
+              <a:buNone/>
+              <a:tabLst/>
+              <a:defRPr/>
+            </a:pPr>
+            <a:r>
+              <a:rPr lang="en-US" dirty="0"/>
+              <a:t> *CAMBIO*</a:t>
+            </a:r>
+            <a:endParaRPr lang="it-IT" dirty="0"/>
+          </a:p>
+          <a:p>
+            <a:endParaRPr lang="en-US" dirty="0"/>
+          </a:p>
+          <a:p>
+            <a:r>
+              <a:rPr lang="en-US" dirty="0"/>
+              <a:t>Now let’s have a brief look at the two most important parts of the serial code that affect most performances:</a:t>
+            </a:r>
+          </a:p>
+          <a:p>
+            <a:r>
+              <a:rPr lang="en-US" dirty="0"/>
+              <a:t>- The code on the left reports the function to perform LU decomposition, where three nested loops are used to fill in the matrices L and U.</a:t>
+            </a:r>
+          </a:p>
+          <a:p>
+            <a:r>
+              <a:rPr lang="en-US" dirty="0"/>
+              <a:t>- On the right, the other code indicates the for loop where forward and backward substitution functions are called. In each iteration a single column of the inverse matrix is computed. Forward function fills in the y vector that then is used by the backward function to fill in the </a:t>
+            </a:r>
+            <a:r>
+              <a:rPr lang="en-US" dirty="0" err="1"/>
+              <a:t>a_inv</a:t>
+            </a:r>
+            <a:r>
+              <a:rPr lang="en-US" dirty="0"/>
+              <a:t> matrix.</a:t>
+            </a:r>
+          </a:p>
+          <a:p>
+            <a:pPr marL="0" marR="0" lvl="0" indent="0" algn="l" defTabSz="914400" rtl="0" eaLnBrk="0" fontAlgn="base" latinLnBrk="0" hangingPunct="0">
+              <a:lnSpc>
+                <a:spcPct val="100000"/>
+              </a:lnSpc>
+              <a:spcBef>
+                <a:spcPct val="30000"/>
+              </a:spcBef>
+              <a:spcAft>
+                <a:spcPct val="0"/>
+              </a:spcAft>
+              <a:buClrTx/>
+              <a:buSzTx/>
+              <a:buFontTx/>
+              <a:buNone/>
+              <a:tabLst/>
+              <a:defRPr/>
+            </a:pPr>
+            <a:r>
+              <a:rPr lang="en-US" dirty="0"/>
+              <a:t>*CAMBIO*</a:t>
+            </a:r>
+            <a:endParaRPr lang="it-IT" dirty="0"/>
+          </a:p>
+          <a:p>
+            <a:endParaRPr lang="en-US" dirty="0"/>
+          </a:p>
+        </p:txBody>
+      </p:sp>
+      <p:sp>
+        <p:nvSpPr>
+          <p:cNvPr id="4" name="Segnaposto numero diapositiva 3"/>
+          <p:cNvSpPr>
+            <a:spLocks noGrp="1"/>
+          </p:cNvSpPr>
+          <p:nvPr>
+            <p:ph type="sldNum" sz="quarter" idx="5"/>
+          </p:nvPr>
+        </p:nvSpPr>
+        <p:spPr/>
+        <p:txBody>
+          <a:bodyPr/>
+          <a:lstStyle/>
+          <a:p>
+            <a:pPr>
+              <a:defRPr/>
+            </a:pPr>
+            <a:fld id="{81C4DC4B-9E64-B84E-9720-879485C6D125}" type="slidenum">
+              <a:rPr lang="ru-RU" altLang="it-IT" smtClean="0"/>
+              <a:pPr>
+                <a:defRPr/>
+              </a:pPr>
+              <a:t>6</a:t>
+            </a:fld>
+            <a:endParaRPr lang="ru-RU" altLang="it-IT"/>
+          </a:p>
+        </p:txBody>
+      </p:sp>
+    </p:spTree>
+    <p:extLst>
+      <p:ext uri="{BB962C8B-B14F-4D97-AF65-F5344CB8AC3E}">
+        <p14:creationId xmlns:p14="http://schemas.microsoft.com/office/powerpoint/2010/main" val="2605463386"/>
+      </p:ext>
+    </p:extLst>
+  </p:cSld>
+  <p:clrMapOvr>
+    <a:masterClrMapping/>
+  </p:clrMapOvr>
+</p:notes>
+</file>
+
+<file path=ppt/notesSlides/notesSlide7.xml><?xml version="1.0" encoding="utf-8"?>
+<p:notes xmlns:a="http://schemas.openxmlformats.org/drawingml/2006/main" xmlns:r="http://schemas.openxmlformats.org/officeDocument/2006/relationships" xmlns:p="http://schemas.openxmlformats.org/presentationml/2006/main">
+  <p:cSld>
+    <p:spTree>
+      <p:nvGrpSpPr>
+        <p:cNvPr id="1" name=""/>
+        <p:cNvGrpSpPr/>
+        <p:nvPr/>
+      </p:nvGrpSpPr>
+      <p:grpSpPr>
+        <a:xfrm>
+          <a:off x="0" y="0"/>
+          <a:ext cx="0" cy="0"/>
+          <a:chOff x="0" y="0"/>
+          <a:chExt cx="0" cy="0"/>
+        </a:xfrm>
+      </p:grpSpPr>
+      <p:sp>
+        <p:nvSpPr>
+          <p:cNvPr id="2" name="Segnaposto immagine diapositiva 1"/>
+          <p:cNvSpPr>
+            <a:spLocks noGrp="1" noRot="1" noChangeAspect="1"/>
+          </p:cNvSpPr>
+          <p:nvPr>
+            <p:ph type="sldImg"/>
+          </p:nvPr>
+        </p:nvSpPr>
+        <p:spPr/>
+      </p:sp>
+      <p:sp>
+        <p:nvSpPr>
+          <p:cNvPr id="3" name="Segnaposto note 2"/>
+          <p:cNvSpPr>
+            <a:spLocks noGrp="1"/>
+          </p:cNvSpPr>
+          <p:nvPr>
+            <p:ph type="body" idx="1"/>
+          </p:nvPr>
+        </p:nvSpPr>
+        <p:spPr/>
+        <p:txBody>
+          <a:bodyPr/>
+          <a:lstStyle/>
+          <a:p>
+            <a:r>
+              <a:rPr lang="en-US" dirty="0"/>
+              <a:t>SLIDE 7 - DANILO</a:t>
+            </a:r>
+          </a:p>
+          <a:p>
+            <a:r>
+              <a:rPr lang="en-US" dirty="0"/>
+              <a:t>Again, to make a-priori study of available parallelism we used </a:t>
+            </a:r>
+            <a:r>
+              <a:rPr lang="en-US" dirty="0" err="1"/>
+              <a:t>Gprof</a:t>
+            </a:r>
+            <a:r>
+              <a:rPr lang="en-US" dirty="0"/>
+              <a:t> and we stated that the most part of the execution time was taken by the forward and backward functions as well as</a:t>
+            </a:r>
+          </a:p>
+          <a:p>
+            <a:r>
+              <a:rPr lang="en-US" dirty="0"/>
+              <a:t>the decomposition, as you can see in this flat profile obtained with a matrix whose size is 1024. However, determinant function is highlighted because we decided to parallelize it, </a:t>
+            </a:r>
+          </a:p>
+          <a:p>
+            <a:r>
+              <a:rPr lang="en-US" dirty="0"/>
+              <a:t>even if not necessary, as Domenico will explain.</a:t>
+            </a:r>
+          </a:p>
+          <a:p>
+            <a:pPr marL="0" marR="0" lvl="0" indent="0" algn="l" defTabSz="914400" rtl="0" eaLnBrk="0" fontAlgn="base" latinLnBrk="0" hangingPunct="0">
+              <a:lnSpc>
+                <a:spcPct val="100000"/>
+              </a:lnSpc>
+              <a:spcBef>
+                <a:spcPct val="30000"/>
+              </a:spcBef>
+              <a:spcAft>
+                <a:spcPct val="0"/>
+              </a:spcAft>
+              <a:buClrTx/>
+              <a:buSzTx/>
+              <a:buFontTx/>
+              <a:buNone/>
+              <a:tabLst/>
+              <a:defRPr/>
+            </a:pPr>
+            <a:r>
+              <a:rPr lang="en-US" dirty="0"/>
+              <a:t>*CAMBIO*</a:t>
+            </a:r>
+            <a:endParaRPr lang="it-IT" dirty="0"/>
+          </a:p>
+          <a:p>
+            <a:endParaRPr lang="en-US" dirty="0"/>
+          </a:p>
+          <a:p>
+            <a:r>
+              <a:rPr lang="en-US" dirty="0"/>
+              <a:t>To compute the a-priori speedup we used again the Amdahl’s law. Here we compute the fraction enhanced by considering the times of the backward, forward, decomposition and </a:t>
+            </a:r>
+          </a:p>
+          <a:p>
+            <a:r>
+              <a:rPr lang="en-US" dirty="0"/>
+              <a:t>determinant functions over the execution time of the whole program. As Domenico already said, the speedup enhanced is expressed in terms of number of cores.</a:t>
+            </a:r>
+          </a:p>
+          <a:p>
+            <a:pPr marL="0" marR="0" lvl="0" indent="0" algn="l" defTabSz="914400" rtl="0" eaLnBrk="0" fontAlgn="base" latinLnBrk="0" hangingPunct="0">
+              <a:lnSpc>
+                <a:spcPct val="100000"/>
+              </a:lnSpc>
+              <a:spcBef>
+                <a:spcPct val="30000"/>
+              </a:spcBef>
+              <a:spcAft>
+                <a:spcPct val="0"/>
+              </a:spcAft>
+              <a:buClrTx/>
+              <a:buSzTx/>
+              <a:buFontTx/>
+              <a:buNone/>
+              <a:tabLst/>
+              <a:defRPr/>
+            </a:pPr>
+            <a:r>
+              <a:rPr lang="en-US" dirty="0"/>
+              <a:t>*CAMBIO*</a:t>
+            </a:r>
+            <a:endParaRPr lang="it-IT" dirty="0"/>
+          </a:p>
+          <a:p>
+            <a:endParaRPr lang="en-US" dirty="0"/>
+          </a:p>
+          <a:p>
+            <a:r>
+              <a:rPr lang="en-US" dirty="0"/>
+              <a:t>So, as theoretical speedups we obtained 19.51 for </a:t>
+            </a:r>
+            <a:r>
+              <a:rPr lang="en-US" dirty="0" err="1"/>
+              <a:t>openmp</a:t>
+            </a:r>
+            <a:r>
+              <a:rPr lang="en-US" dirty="0"/>
+              <a:t> and 86.60 for CUDA.</a:t>
+            </a:r>
+          </a:p>
+          <a:p>
+            <a:pPr marL="0" marR="0" lvl="0" indent="0" algn="l" defTabSz="914400" rtl="0" eaLnBrk="0" fontAlgn="base" latinLnBrk="0" hangingPunct="0">
+              <a:lnSpc>
+                <a:spcPct val="100000"/>
+              </a:lnSpc>
+              <a:spcBef>
+                <a:spcPct val="30000"/>
+              </a:spcBef>
+              <a:spcAft>
+                <a:spcPct val="0"/>
+              </a:spcAft>
+              <a:buClrTx/>
+              <a:buSzTx/>
+              <a:buFontTx/>
+              <a:buNone/>
+              <a:tabLst/>
+              <a:defRPr/>
+            </a:pPr>
+            <a:r>
+              <a:rPr lang="en-US" dirty="0"/>
+              <a:t>*CAMBIO*</a:t>
+            </a:r>
+            <a:endParaRPr lang="it-IT" dirty="0"/>
+          </a:p>
+          <a:p>
+            <a:endParaRPr lang="en-US" dirty="0"/>
+          </a:p>
+        </p:txBody>
+      </p:sp>
+      <p:sp>
+        <p:nvSpPr>
+          <p:cNvPr id="4" name="Segnaposto numero diapositiva 3"/>
+          <p:cNvSpPr>
+            <a:spLocks noGrp="1"/>
+          </p:cNvSpPr>
+          <p:nvPr>
+            <p:ph type="sldNum" sz="quarter" idx="5"/>
+          </p:nvPr>
+        </p:nvSpPr>
+        <p:spPr/>
+        <p:txBody>
+          <a:bodyPr/>
+          <a:lstStyle/>
+          <a:p>
+            <a:pPr>
+              <a:defRPr/>
+            </a:pPr>
+            <a:fld id="{81C4DC4B-9E64-B84E-9720-879485C6D125}" type="slidenum">
+              <a:rPr lang="ru-RU" altLang="it-IT" smtClean="0"/>
+              <a:pPr>
+                <a:defRPr/>
+              </a:pPr>
+              <a:t>7</a:t>
+            </a:fld>
+            <a:endParaRPr lang="ru-RU" altLang="it-IT"/>
+          </a:p>
+        </p:txBody>
+      </p:sp>
+    </p:spTree>
+    <p:extLst>
+      <p:ext uri="{BB962C8B-B14F-4D97-AF65-F5344CB8AC3E}">
+        <p14:creationId xmlns:p14="http://schemas.microsoft.com/office/powerpoint/2010/main" val="955218175"/>
+      </p:ext>
+    </p:extLst>
+  </p:cSld>
+  <p:clrMapOvr>
+    <a:masterClrMapping/>
+  </p:clrMapOvr>
+</p:notes>
+</file>
+
+<file path=ppt/notesSlides/notesSlide8.xml><?xml version="1.0" encoding="utf-8"?>
+<p:notes xmlns:a="http://schemas.openxmlformats.org/drawingml/2006/main" xmlns:r="http://schemas.openxmlformats.org/officeDocument/2006/relationships" xmlns:p="http://schemas.openxmlformats.org/presentationml/2006/main">
+  <p:cSld>
+    <p:spTree>
+      <p:nvGrpSpPr>
+        <p:cNvPr id="1" name=""/>
+        <p:cNvGrpSpPr/>
+        <p:nvPr/>
+      </p:nvGrpSpPr>
+      <p:grpSpPr>
+        <a:xfrm>
+          <a:off x="0" y="0"/>
+          <a:ext cx="0" cy="0"/>
+          <a:chOff x="0" y="0"/>
+          <a:chExt cx="0" cy="0"/>
+        </a:xfrm>
+      </p:grpSpPr>
+      <p:sp>
+        <p:nvSpPr>
+          <p:cNvPr id="2" name="Segnaposto immagine diapositiva 1"/>
+          <p:cNvSpPr>
+            <a:spLocks noGrp="1" noRot="1" noChangeAspect="1"/>
+          </p:cNvSpPr>
+          <p:nvPr>
+            <p:ph type="sldImg"/>
+          </p:nvPr>
+        </p:nvSpPr>
+        <p:spPr/>
+      </p:sp>
+      <p:sp>
+        <p:nvSpPr>
+          <p:cNvPr id="3" name="Segnaposto note 2"/>
+          <p:cNvSpPr>
+            <a:spLocks noGrp="1"/>
+          </p:cNvSpPr>
+          <p:nvPr>
+            <p:ph type="body" idx="1"/>
+          </p:nvPr>
+        </p:nvSpPr>
+        <p:spPr/>
+        <p:txBody>
+          <a:bodyPr/>
+          <a:lstStyle/>
+          <a:p>
+            <a:r>
+              <a:rPr lang="en-US" dirty="0"/>
+              <a:t>SLIDE 8 - DOMENICO</a:t>
+            </a:r>
+          </a:p>
+          <a:p>
+            <a:r>
+              <a:rPr lang="en-US" dirty="0"/>
+              <a:t>In order to parallelize the decomposition, the rows of matrix A were divided into several pieces and each processed by a thread with static scheduling. It has not been possible to do differently because otherwise we had concurrent accesses on the U matrix with consequent data races.</a:t>
+            </a:r>
+          </a:p>
+          <a:p>
+            <a:pPr marL="0" marR="0" lvl="0" indent="0" algn="l" defTabSz="914400" rtl="0" eaLnBrk="0" fontAlgn="base" latinLnBrk="0" hangingPunct="0">
+              <a:lnSpc>
+                <a:spcPct val="100000"/>
+              </a:lnSpc>
+              <a:spcBef>
+                <a:spcPct val="30000"/>
+              </a:spcBef>
+              <a:spcAft>
+                <a:spcPct val="0"/>
+              </a:spcAft>
+              <a:buClrTx/>
+              <a:buSzTx/>
+              <a:buFontTx/>
+              <a:buNone/>
+              <a:tabLst/>
+              <a:defRPr/>
+            </a:pPr>
+            <a:r>
+              <a:rPr lang="en-US" dirty="0"/>
+              <a:t>*CAMBIO*</a:t>
+            </a:r>
+            <a:endParaRPr lang="it-IT" dirty="0"/>
+          </a:p>
+          <a:p>
+            <a:endParaRPr lang="en-US" dirty="0"/>
+          </a:p>
+          <a:p>
+            <a:pPr marL="0" marR="0" lvl="0" indent="0" algn="l" defTabSz="914400" rtl="0" eaLnBrk="0" fontAlgn="base" latinLnBrk="0" hangingPunct="0">
+              <a:lnSpc>
+                <a:spcPct val="100000"/>
+              </a:lnSpc>
+              <a:spcBef>
+                <a:spcPct val="30000"/>
+              </a:spcBef>
+              <a:spcAft>
+                <a:spcPct val="0"/>
+              </a:spcAft>
+              <a:buClrTx/>
+              <a:buSzTx/>
+              <a:buFontTx/>
+              <a:buNone/>
+              <a:tabLst/>
+              <a:defRPr/>
+            </a:pPr>
+            <a:r>
+              <a:rPr lang="en-US" dirty="0"/>
+              <a:t>For the determinant we performed a simple reduction on the variable det while *CAMBIO*</a:t>
+            </a:r>
+            <a:r>
+              <a:rPr lang="it-IT" dirty="0"/>
+              <a:t> </a:t>
+            </a:r>
+            <a:r>
+              <a:rPr lang="en-US" dirty="0"/>
+              <a:t>for the forward and backward, being difficult to parallel the algorithm, we calculated each column of the inverse matrix separately between multiple threads using the #pragma </a:t>
+            </a:r>
+            <a:r>
+              <a:rPr lang="en-US" dirty="0" err="1"/>
+              <a:t>omp</a:t>
+            </a:r>
+            <a:r>
+              <a:rPr lang="en-US" dirty="0"/>
+              <a:t> for.</a:t>
+            </a:r>
+          </a:p>
+          <a:p>
+            <a:pPr marL="0" marR="0" lvl="0" indent="0" algn="l" defTabSz="914400" rtl="0" eaLnBrk="0" fontAlgn="base" latinLnBrk="0" hangingPunct="0">
+              <a:lnSpc>
+                <a:spcPct val="100000"/>
+              </a:lnSpc>
+              <a:spcBef>
+                <a:spcPct val="30000"/>
+              </a:spcBef>
+              <a:spcAft>
+                <a:spcPct val="0"/>
+              </a:spcAft>
+              <a:buClrTx/>
+              <a:buSzTx/>
+              <a:buFontTx/>
+              <a:buNone/>
+              <a:tabLst/>
+              <a:defRPr/>
+            </a:pPr>
+            <a:r>
+              <a:rPr lang="en-US" dirty="0"/>
+              <a:t>*CAMBIO*</a:t>
+            </a:r>
+            <a:endParaRPr lang="it-IT" dirty="0"/>
+          </a:p>
+          <a:p>
+            <a:endParaRPr lang="en-US" dirty="0"/>
+          </a:p>
+          <a:p>
+            <a:r>
+              <a:rPr lang="en-US" dirty="0"/>
+              <a:t>CUDA parallelization instead was done in the same way, following the same reasoning, switching from functions to kernels, simply with the aim to test the improvements due to the greater number of cores in use. But due to its complexity we did not parallelize the decomposition function otherwise data races would have been </a:t>
+            </a:r>
+            <a:r>
+              <a:rPr lang="en-US" dirty="0" err="1"/>
+              <a:t>arised</a:t>
+            </a:r>
+            <a:r>
+              <a:rPr lang="en-US" dirty="0"/>
+              <a:t>.</a:t>
+            </a:r>
+          </a:p>
+          <a:p>
+            <a:pPr marL="0" marR="0" lvl="0" indent="0" algn="l" defTabSz="914400" rtl="0" eaLnBrk="0" fontAlgn="base" latinLnBrk="0" hangingPunct="0">
+              <a:lnSpc>
+                <a:spcPct val="100000"/>
+              </a:lnSpc>
+              <a:spcBef>
+                <a:spcPct val="30000"/>
+              </a:spcBef>
+              <a:spcAft>
+                <a:spcPct val="0"/>
+              </a:spcAft>
+              <a:buClrTx/>
+              <a:buSzTx/>
+              <a:buFontTx/>
+              <a:buNone/>
+              <a:tabLst/>
+              <a:defRPr/>
+            </a:pPr>
+            <a:r>
+              <a:rPr lang="en-US" dirty="0"/>
+              <a:t>*CAMBIO*</a:t>
+            </a:r>
+            <a:endParaRPr lang="it-IT" dirty="0"/>
+          </a:p>
+          <a:p>
+            <a:endParaRPr lang="en-US" dirty="0"/>
+          </a:p>
+        </p:txBody>
+      </p:sp>
+      <p:sp>
+        <p:nvSpPr>
+          <p:cNvPr id="4" name="Segnaposto numero diapositiva 3"/>
+          <p:cNvSpPr>
+            <a:spLocks noGrp="1"/>
+          </p:cNvSpPr>
+          <p:nvPr>
+            <p:ph type="sldNum" sz="quarter" idx="5"/>
+          </p:nvPr>
+        </p:nvSpPr>
+        <p:spPr/>
+        <p:txBody>
+          <a:bodyPr/>
+          <a:lstStyle/>
+          <a:p>
+            <a:pPr>
+              <a:defRPr/>
+            </a:pPr>
+            <a:fld id="{81C4DC4B-9E64-B84E-9720-879485C6D125}" type="slidenum">
+              <a:rPr lang="ru-RU" altLang="it-IT" smtClean="0"/>
+              <a:pPr>
+                <a:defRPr/>
+              </a:pPr>
+              <a:t>8</a:t>
+            </a:fld>
+            <a:endParaRPr lang="ru-RU" altLang="it-IT"/>
+          </a:p>
+        </p:txBody>
+      </p:sp>
+    </p:spTree>
+    <p:extLst>
+      <p:ext uri="{BB962C8B-B14F-4D97-AF65-F5344CB8AC3E}">
+        <p14:creationId xmlns:p14="http://schemas.microsoft.com/office/powerpoint/2010/main" val="3600245658"/>
+      </p:ext>
+    </p:extLst>
+  </p:cSld>
+  <p:clrMapOvr>
+    <a:masterClrMapping/>
+  </p:clrMapOvr>
+</p:notes>
+</file>
+
+<file path=ppt/notesSlides/notesSlide9.xml><?xml version="1.0" encoding="utf-8"?>
+<p:notes xmlns:a="http://schemas.openxmlformats.org/drawingml/2006/main" xmlns:r="http://schemas.openxmlformats.org/officeDocument/2006/relationships" xmlns:p="http://schemas.openxmlformats.org/presentationml/2006/main">
+  <p:cSld>
+    <p:spTree>
+      <p:nvGrpSpPr>
+        <p:cNvPr id="1" name=""/>
+        <p:cNvGrpSpPr/>
+        <p:nvPr/>
+      </p:nvGrpSpPr>
+      <p:grpSpPr>
+        <a:xfrm>
+          <a:off x="0" y="0"/>
+          <a:ext cx="0" cy="0"/>
+          <a:chOff x="0" y="0"/>
+          <a:chExt cx="0" cy="0"/>
+        </a:xfrm>
+      </p:grpSpPr>
+      <p:sp>
+        <p:nvSpPr>
+          <p:cNvPr id="2" name="Segnaposto immagine diapositiva 1"/>
+          <p:cNvSpPr>
+            <a:spLocks noGrp="1" noRot="1" noChangeAspect="1"/>
+          </p:cNvSpPr>
+          <p:nvPr>
+            <p:ph type="sldImg"/>
+          </p:nvPr>
+        </p:nvSpPr>
+        <p:spPr/>
+      </p:sp>
+      <p:sp>
+        <p:nvSpPr>
+          <p:cNvPr id="3" name="Segnaposto note 2"/>
+          <p:cNvSpPr>
+            <a:spLocks noGrp="1"/>
+          </p:cNvSpPr>
+          <p:nvPr>
+            <p:ph type="body" idx="1"/>
+          </p:nvPr>
+        </p:nvSpPr>
+        <p:spPr/>
+        <p:txBody>
+          <a:bodyPr/>
+          <a:lstStyle/>
+          <a:p>
+            <a:r>
+              <a:rPr lang="en-US" dirty="0"/>
+              <a:t>SLIDE 9 - DANILO</a:t>
+            </a:r>
+          </a:p>
+          <a:p>
+            <a:r>
+              <a:rPr lang="en-US" dirty="0"/>
+              <a:t>Now let’s look the results we obtained.</a:t>
+            </a:r>
+          </a:p>
+          <a:p>
+            <a:r>
+              <a:rPr lang="en-US" dirty="0"/>
+              <a:t>The configuration of the virtual machine on GCP is the same as the one used for the multiplication problem.</a:t>
+            </a:r>
+          </a:p>
+          <a:p>
+            <a:endParaRPr lang="en-US" dirty="0"/>
+          </a:p>
+          <a:p>
+            <a:pPr marL="171450" indent="-171450">
+              <a:buFontTx/>
+              <a:buChar char="-"/>
+            </a:pPr>
+            <a:r>
+              <a:rPr lang="en-US" dirty="0"/>
+              <a:t>With OpenMP we initially have a linear speedup, and then as you can see with small matrices, an upper bound with 8 threads is reached due to the limits of the parallelism </a:t>
+            </a:r>
+            <a:r>
+              <a:rPr lang="en-US" dirty="0" err="1"/>
+              <a:t>scalablity</a:t>
+            </a:r>
+            <a:r>
+              <a:rPr lang="en-US" dirty="0"/>
+              <a:t>. With big matrices instead, we get higher speedups as the sizes and number of threads increases up to a maximum of about 13, so it is pretty below the theoretical speedup, since not all the code has been parallelized. Furthermore, there is still an overhead due to the concurrency and memory accesses as can be noticed on small matrices, where speedups decrease.</a:t>
+            </a:r>
+          </a:p>
+          <a:p>
+            <a:pPr marL="0" marR="0" lvl="0" indent="0" algn="l" defTabSz="914400" rtl="0" eaLnBrk="0" fontAlgn="base" latinLnBrk="0" hangingPunct="0">
+              <a:lnSpc>
+                <a:spcPct val="100000"/>
+              </a:lnSpc>
+              <a:spcBef>
+                <a:spcPct val="30000"/>
+              </a:spcBef>
+              <a:spcAft>
+                <a:spcPct val="0"/>
+              </a:spcAft>
+              <a:buClrTx/>
+              <a:buSzTx/>
+              <a:buFontTx/>
+              <a:buNone/>
+              <a:tabLst/>
+              <a:defRPr/>
+            </a:pPr>
+            <a:r>
+              <a:rPr lang="en-US" dirty="0"/>
+              <a:t>*CAMBIO*</a:t>
+            </a:r>
+            <a:endParaRPr lang="it-IT" dirty="0"/>
+          </a:p>
+          <a:p>
+            <a:pPr marL="0" indent="0">
+              <a:buFontTx/>
+              <a:buNone/>
+            </a:pPr>
+            <a:endParaRPr lang="en-US" dirty="0"/>
+          </a:p>
+          <a:p>
+            <a:endParaRPr lang="en-US" dirty="0"/>
+          </a:p>
+          <a:p>
+            <a:pPr marL="171450" indent="-171450">
+              <a:buFontTx/>
+              <a:buChar char="-"/>
+            </a:pPr>
+            <a:r>
+              <a:rPr lang="en-US" dirty="0"/>
+              <a:t>With CUDA, we can see that the speedup increases by increasing the size of the matrices, until reaching a speedup of 13. Here maximum speedup is much lower than the a-priori speedup, but this could be explained with the many data transfers, from CPU to GPU, and with the multiple kernel calls that introduce overhead. Furthermore, as Domenico said, with CUDA we did not parallelize the decomposition. So, compared with the multiplication, the inversion problem with CUDA does not provide surprising results.</a:t>
+            </a:r>
+          </a:p>
+          <a:p>
+            <a:pPr marL="0" marR="0" lvl="0" indent="0" algn="l" defTabSz="914400" rtl="0" eaLnBrk="0" fontAlgn="base" latinLnBrk="0" hangingPunct="0">
+              <a:lnSpc>
+                <a:spcPct val="100000"/>
+              </a:lnSpc>
+              <a:spcBef>
+                <a:spcPct val="30000"/>
+              </a:spcBef>
+              <a:spcAft>
+                <a:spcPct val="0"/>
+              </a:spcAft>
+              <a:buClrTx/>
+              <a:buSzTx/>
+              <a:buFontTx/>
+              <a:buNone/>
+              <a:tabLst/>
+              <a:defRPr/>
+            </a:pPr>
+            <a:r>
+              <a:rPr lang="en-US" dirty="0"/>
+              <a:t>*CAMBIO*</a:t>
+            </a:r>
+            <a:endParaRPr lang="it-IT" dirty="0"/>
+          </a:p>
+          <a:p>
+            <a:pPr marL="0" indent="0">
+              <a:buFontTx/>
+              <a:buNone/>
+            </a:pPr>
+            <a:endParaRPr lang="en-US" dirty="0"/>
+          </a:p>
+        </p:txBody>
+      </p:sp>
+      <p:sp>
+        <p:nvSpPr>
+          <p:cNvPr id="4" name="Segnaposto numero diapositiva 3"/>
+          <p:cNvSpPr>
+            <a:spLocks noGrp="1"/>
+          </p:cNvSpPr>
+          <p:nvPr>
+            <p:ph type="sldNum" sz="quarter" idx="5"/>
+          </p:nvPr>
+        </p:nvSpPr>
+        <p:spPr/>
+        <p:txBody>
+          <a:bodyPr/>
+          <a:lstStyle/>
+          <a:p>
+            <a:pPr>
+              <a:defRPr/>
+            </a:pPr>
+            <a:fld id="{81C4DC4B-9E64-B84E-9720-879485C6D125}" type="slidenum">
+              <a:rPr lang="ru-RU" altLang="it-IT" smtClean="0"/>
+              <a:pPr>
+                <a:defRPr/>
+              </a:pPr>
+              <a:t>9</a:t>
+            </a:fld>
+            <a:endParaRPr lang="ru-RU" altLang="it-IT"/>
+          </a:p>
+        </p:txBody>
+      </p:sp>
+    </p:spTree>
+    <p:extLst>
+      <p:ext uri="{BB962C8B-B14F-4D97-AF65-F5344CB8AC3E}">
+        <p14:creationId xmlns:p14="http://schemas.microsoft.com/office/powerpoint/2010/main" val="2057383417"/>
       </p:ext>
     </p:extLst>
   </p:cSld>
@@ -6630,7 +8583,7 @@
           <a:p>
             <a:fld id="{AA284C26-2BAB-5D43-8DF7-E13CB6C349E1}" type="datetimeFigureOut">
               <a:rPr lang="it-IT" smtClean="0"/>
-              <a:t>08/07/2021</a:t>
+              <a:t>14/07/2021</a:t>
             </a:fld>
             <a:endParaRPr lang="it-IT"/>
           </a:p>
@@ -6832,7 +8785,7 @@
           <a:p>
             <a:fld id="{AA284C26-2BAB-5D43-8DF7-E13CB6C349E1}" type="datetimeFigureOut">
               <a:rPr lang="it-IT" smtClean="0"/>
-              <a:t>08/07/2021</a:t>
+              <a:t>14/07/2021</a:t>
             </a:fld>
             <a:endParaRPr lang="it-IT"/>
           </a:p>
@@ -7044,7 +8997,7 @@
           <a:p>
             <a:fld id="{AA284C26-2BAB-5D43-8DF7-E13CB6C349E1}" type="datetimeFigureOut">
               <a:rPr lang="it-IT" smtClean="0"/>
-              <a:t>08/07/2021</a:t>
+              <a:t>14/07/2021</a:t>
             </a:fld>
             <a:endParaRPr lang="it-IT"/>
           </a:p>
@@ -7246,7 +9199,7 @@
           <a:p>
             <a:fld id="{AA284C26-2BAB-5D43-8DF7-E13CB6C349E1}" type="datetimeFigureOut">
               <a:rPr lang="it-IT" smtClean="0"/>
-              <a:t>08/07/2021</a:t>
+              <a:t>14/07/2021</a:t>
             </a:fld>
             <a:endParaRPr lang="it-IT"/>
           </a:p>
@@ -7525,7 +9478,7 @@
           <a:p>
             <a:fld id="{AA284C26-2BAB-5D43-8DF7-E13CB6C349E1}" type="datetimeFigureOut">
               <a:rPr lang="it-IT" smtClean="0"/>
-              <a:t>08/07/2021</a:t>
+              <a:t>14/07/2021</a:t>
             </a:fld>
             <a:endParaRPr lang="it-IT"/>
           </a:p>
@@ -7794,7 +9747,7 @@
           <a:p>
             <a:fld id="{AA284C26-2BAB-5D43-8DF7-E13CB6C349E1}" type="datetimeFigureOut">
               <a:rPr lang="it-IT" smtClean="0"/>
-              <a:t>08/07/2021</a:t>
+              <a:t>14/07/2021</a:t>
             </a:fld>
             <a:endParaRPr lang="it-IT"/>
           </a:p>
@@ -8210,7 +10163,7 @@
           <a:p>
             <a:fld id="{AA284C26-2BAB-5D43-8DF7-E13CB6C349E1}" type="datetimeFigureOut">
               <a:rPr lang="it-IT" smtClean="0"/>
-              <a:t>08/07/2021</a:t>
+              <a:t>14/07/2021</a:t>
             </a:fld>
             <a:endParaRPr lang="it-IT"/>
           </a:p>
@@ -8355,7 +10308,7 @@
           <a:p>
             <a:fld id="{AA284C26-2BAB-5D43-8DF7-E13CB6C349E1}" type="datetimeFigureOut">
               <a:rPr lang="it-IT" smtClean="0"/>
-              <a:t>08/07/2021</a:t>
+              <a:t>14/07/2021</a:t>
             </a:fld>
             <a:endParaRPr lang="it-IT"/>
           </a:p>
@@ -8472,7 +10425,7 @@
           <a:p>
             <a:fld id="{AA284C26-2BAB-5D43-8DF7-E13CB6C349E1}" type="datetimeFigureOut">
               <a:rPr lang="it-IT" smtClean="0"/>
-              <a:t>08/07/2021</a:t>
+              <a:t>14/07/2021</a:t>
             </a:fld>
             <a:endParaRPr lang="it-IT"/>
           </a:p>
@@ -8787,7 +10740,7 @@
           <a:p>
             <a:fld id="{AA284C26-2BAB-5D43-8DF7-E13CB6C349E1}" type="datetimeFigureOut">
               <a:rPr lang="it-IT" smtClean="0"/>
-              <a:t>08/07/2021</a:t>
+              <a:t>14/07/2021</a:t>
             </a:fld>
             <a:endParaRPr lang="it-IT"/>
           </a:p>
@@ -9079,7 +11032,7 @@
           <a:p>
             <a:fld id="{AA284C26-2BAB-5D43-8DF7-E13CB6C349E1}" type="datetimeFigureOut">
               <a:rPr lang="it-IT" smtClean="0"/>
-              <a:t>08/07/2021</a:t>
+              <a:t>14/07/2021</a:t>
             </a:fld>
             <a:endParaRPr lang="it-IT"/>
           </a:p>
@@ -9324,7 +11277,7 @@
           <a:p>
             <a:fld id="{AA284C26-2BAB-5D43-8DF7-E13CB6C349E1}" type="datetimeFigureOut">
               <a:rPr lang="it-IT" smtClean="0"/>
-              <a:t>08/07/2021</a:t>
+              <a:t>14/07/2021</a:t>
             </a:fld>
             <a:endParaRPr lang="it-IT"/>
           </a:p>
@@ -11459,7 +13412,7 @@
                 <a:avLst/>
               </a:prstGeom>
               <a:blipFill>
-                <a:blip r:embed="rId2"/>
+                <a:blip r:embed="rId3"/>
                 <a:stretch>
                   <a:fillRect t="-92958" b="-153521"/>
                 </a:stretch>
@@ -11498,7 +13451,7 @@
           <p:nvPr/>
         </p:nvPicPr>
         <p:blipFill>
-          <a:blip r:embed="rId3" cstate="print">
+          <a:blip r:embed="rId4" cstate="print">
             <a:extLst>
               <a:ext uri="{28A0092B-C50C-407E-A947-70E740481C1C}">
                 <a14:useLocalDpi xmlns:a14="http://schemas.microsoft.com/office/drawing/2010/main" val="0"/>
@@ -11616,7 +13569,7 @@
             <p:nvPr/>
           </p:nvPicPr>
           <p:blipFill>
-            <a:blip r:embed="rId4">
+            <a:blip r:embed="rId5">
               <a:extLst>
                 <a:ext uri="{28A0092B-C50C-407E-A947-70E740481C1C}">
                   <a14:useLocalDpi xmlns:a14="http://schemas.microsoft.com/office/drawing/2010/main" val="0"/>
@@ -11730,7 +13683,7 @@
             <p:nvPr/>
           </p:nvPicPr>
           <p:blipFill>
-            <a:blip r:embed="rId5">
+            <a:blip r:embed="rId6">
               <a:extLst>
                 <a:ext uri="{28A0092B-C50C-407E-A947-70E740481C1C}">
                   <a14:useLocalDpi xmlns:a14="http://schemas.microsoft.com/office/drawing/2010/main" val="0"/>
@@ -12687,7 +14640,7 @@
           <p:nvPr/>
         </p:nvPicPr>
         <p:blipFill rotWithShape="1">
-          <a:blip r:embed="rId2">
+          <a:blip r:embed="rId3">
             <a:extLst>
               <a:ext uri="{28A0092B-C50C-407E-A947-70E740481C1C}">
                 <a14:useLocalDpi xmlns:a14="http://schemas.microsoft.com/office/drawing/2010/main" val="0"/>
@@ -12960,7 +14913,7 @@
                 <a:avLst/>
               </a:prstGeom>
               <a:blipFill>
-                <a:blip r:embed="rId3"/>
+                <a:blip r:embed="rId4"/>
                 <a:stretch>
                   <a:fillRect/>
                 </a:stretch>
@@ -13153,7 +15106,7 @@
                 <a:avLst/>
               </a:prstGeom>
               <a:blipFill>
-                <a:blip r:embed="rId4"/>
+                <a:blip r:embed="rId5"/>
                 <a:stretch>
                   <a:fillRect/>
                 </a:stretch>
@@ -13641,33 +15594,15 @@
                                   </p:childTnLst>
                                 </p:cTn>
                               </p:par>
-                            </p:childTnLst>
-                          </p:cTn>
-                        </p:par>
-                      </p:childTnLst>
-                    </p:cTn>
-                  </p:par>
-                  <p:par>
-                    <p:cTn id="14" fill="hold">
-                      <p:stCondLst>
-                        <p:cond delay="indefinite"/>
-                      </p:stCondLst>
-                      <p:childTnLst>
-                        <p:par>
-                          <p:cTn id="15" fill="hold">
-                            <p:stCondLst>
-                              <p:cond delay="0"/>
-                            </p:stCondLst>
-                            <p:childTnLst>
                               <p:par>
-                                <p:cTn id="16" presetID="10" presetClass="entr" presetSubtype="0" fill="hold" nodeType="clickEffect">
+                                <p:cTn id="14" presetID="10" presetClass="entr" presetSubtype="0" fill="hold" nodeType="withEffect">
                                   <p:stCondLst>
                                     <p:cond delay="0"/>
                                   </p:stCondLst>
                                   <p:childTnLst>
                                     <p:set>
                                       <p:cBhvr>
-                                        <p:cTn id="17" dur="1" fill="hold">
+                                        <p:cTn id="15" dur="1" fill="hold">
                                           <p:stCondLst>
                                             <p:cond delay="0"/>
                                           </p:stCondLst>
@@ -13685,7 +15620,7 @@
                                     </p:set>
                                     <p:animEffect transition="in" filter="fade">
                                       <p:cBhvr>
-                                        <p:cTn id="18" dur="500"/>
+                                        <p:cTn id="16" dur="500"/>
                                         <p:tgtEl>
                                           <p:spTgt spid="14"/>
                                         </p:tgtEl>
@@ -13694,8 +15629,26 @@
                                   </p:childTnLst>
                                 </p:cTn>
                               </p:par>
+                            </p:childTnLst>
+                          </p:cTn>
+                        </p:par>
+                      </p:childTnLst>
+                    </p:cTn>
+                  </p:par>
+                  <p:par>
+                    <p:cTn id="17" fill="hold">
+                      <p:stCondLst>
+                        <p:cond delay="indefinite"/>
+                      </p:stCondLst>
+                      <p:childTnLst>
+                        <p:par>
+                          <p:cTn id="18" fill="hold">
+                            <p:stCondLst>
+                              <p:cond delay="0"/>
+                            </p:stCondLst>
+                            <p:childTnLst>
                               <p:par>
-                                <p:cTn id="19" presetID="10" presetClass="entr" presetSubtype="0" fill="hold" grpId="0" nodeType="withEffect">
+                                <p:cTn id="19" presetID="10" presetClass="entr" presetSubtype="0" fill="hold" grpId="0" nodeType="clickEffect">
                                   <p:stCondLst>
                                     <p:cond delay="0"/>
                                   </p:stCondLst>
@@ -13951,6 +15904,183 @@
       </p:grpSpPr>
       <p:sp>
         <p:nvSpPr>
+          <p:cNvPr id="31" name="Rettangolo 32">
+            <a:extLst>
+              <a:ext uri="{FF2B5EF4-FFF2-40B4-BE49-F238E27FC236}">
+                <a16:creationId xmlns:a16="http://schemas.microsoft.com/office/drawing/2014/main" id="{C00718B0-49D6-4FFC-B274-19D92861E13D}"/>
+              </a:ext>
+            </a:extLst>
+          </p:cNvPr>
+          <p:cNvSpPr/>
+          <p:nvPr/>
+        </p:nvSpPr>
+        <p:spPr>
+          <a:xfrm>
+            <a:off x="302859" y="5113178"/>
+            <a:ext cx="5770916" cy="1656187"/>
+          </a:xfrm>
+          <a:prstGeom prst="rect">
+            <a:avLst/>
+          </a:prstGeom>
+          <a:solidFill>
+            <a:schemeClr val="bg1"/>
+          </a:solidFill>
+          <a:ln>
+            <a:noFill/>
+          </a:ln>
+          <a:effectLst>
+            <a:outerShdw blurRad="50800" dist="38100" dir="5400000" algn="t" rotWithShape="0">
+              <a:prstClr val="black">
+                <a:alpha val="40000"/>
+              </a:prstClr>
+            </a:outerShdw>
+          </a:effectLst>
+        </p:spPr>
+        <p:style>
+          <a:lnRef idx="2">
+            <a:schemeClr val="accent1">
+              <a:shade val="50000"/>
+            </a:schemeClr>
+          </a:lnRef>
+          <a:fillRef idx="1">
+            <a:schemeClr val="accent1"/>
+          </a:fillRef>
+          <a:effectRef idx="0">
+            <a:schemeClr val="accent1"/>
+          </a:effectRef>
+          <a:fontRef idx="minor">
+            <a:schemeClr val="lt1"/>
+          </a:fontRef>
+        </p:style>
+        <p:txBody>
+          <a:bodyPr rtlCol="0" anchor="ctr"/>
+          <a:lstStyle/>
+          <a:p>
+            <a:pPr algn="ctr"/>
+            <a:endParaRPr lang="it-IT"/>
+          </a:p>
+        </p:txBody>
+      </p:sp>
+      <p:sp>
+        <p:nvSpPr>
+          <p:cNvPr id="30" name="Rettangolo 32">
+            <a:extLst>
+              <a:ext uri="{FF2B5EF4-FFF2-40B4-BE49-F238E27FC236}">
+                <a16:creationId xmlns:a16="http://schemas.microsoft.com/office/drawing/2014/main" id="{38CDF5CF-3C41-4889-B958-E3216494A99A}"/>
+              </a:ext>
+            </a:extLst>
+          </p:cNvPr>
+          <p:cNvSpPr/>
+          <p:nvPr/>
+        </p:nvSpPr>
+        <p:spPr>
+          <a:xfrm>
+            <a:off x="628650" y="3117716"/>
+            <a:ext cx="5426622" cy="1392923"/>
+          </a:xfrm>
+          <a:prstGeom prst="rect">
+            <a:avLst/>
+          </a:prstGeom>
+          <a:solidFill>
+            <a:schemeClr val="bg1"/>
+          </a:solidFill>
+          <a:ln>
+            <a:noFill/>
+          </a:ln>
+          <a:effectLst>
+            <a:outerShdw blurRad="50800" dist="38100" dir="5400000" algn="t" rotWithShape="0">
+              <a:prstClr val="black">
+                <a:alpha val="40000"/>
+              </a:prstClr>
+            </a:outerShdw>
+          </a:effectLst>
+        </p:spPr>
+        <p:style>
+          <a:lnRef idx="2">
+            <a:schemeClr val="accent1">
+              <a:shade val="50000"/>
+            </a:schemeClr>
+          </a:lnRef>
+          <a:fillRef idx="1">
+            <a:schemeClr val="accent1"/>
+          </a:fillRef>
+          <a:effectRef idx="0">
+            <a:schemeClr val="accent1"/>
+          </a:effectRef>
+          <a:fontRef idx="minor">
+            <a:schemeClr val="lt1"/>
+          </a:fontRef>
+        </p:style>
+        <p:txBody>
+          <a:bodyPr rtlCol="0" anchor="ctr"/>
+          <a:lstStyle/>
+          <a:p>
+            <a:pPr algn="ctr"/>
+            <a:endParaRPr lang="it-IT"/>
+          </a:p>
+        </p:txBody>
+      </p:sp>
+      <p:sp>
+        <p:nvSpPr>
+          <p:cNvPr id="29" name="Rettangolo 32">
+            <a:extLst>
+              <a:ext uri="{FF2B5EF4-FFF2-40B4-BE49-F238E27FC236}">
+                <a16:creationId xmlns:a16="http://schemas.microsoft.com/office/drawing/2014/main" id="{4B58B515-6492-4D45-9443-3D57AF074955}"/>
+              </a:ext>
+            </a:extLst>
+          </p:cNvPr>
+          <p:cNvSpPr/>
+          <p:nvPr/>
+        </p:nvSpPr>
+        <p:spPr>
+          <a:xfrm>
+            <a:off x="755564" y="984116"/>
+            <a:ext cx="3743833" cy="1309588"/>
+          </a:xfrm>
+          <a:prstGeom prst="rect">
+            <a:avLst/>
+          </a:prstGeom>
+          <a:solidFill>
+            <a:schemeClr val="bg1"/>
+          </a:solidFill>
+          <a:ln>
+            <a:noFill/>
+          </a:ln>
+          <a:effectLst>
+            <a:outerShdw blurRad="50800" dist="38100" dir="5400000" algn="t" rotWithShape="0">
+              <a:prstClr val="black">
+                <a:alpha val="40000"/>
+              </a:prstClr>
+            </a:outerShdw>
+          </a:effectLst>
+        </p:spPr>
+        <p:style>
+          <a:lnRef idx="2">
+            <a:schemeClr val="accent1">
+              <a:shade val="50000"/>
+            </a:schemeClr>
+          </a:lnRef>
+          <a:fillRef idx="1">
+            <a:schemeClr val="accent1"/>
+          </a:fillRef>
+          <a:effectRef idx="0">
+            <a:schemeClr val="accent1"/>
+          </a:effectRef>
+          <a:fontRef idx="minor">
+            <a:schemeClr val="lt1"/>
+          </a:fontRef>
+        </p:style>
+        <p:txBody>
+          <a:bodyPr rtlCol="0" anchor="ctr"/>
+          <a:lstStyle/>
+          <a:p>
+            <a:pPr algn="ctr"/>
+            <a:endParaRPr lang="it-IT"/>
+          </a:p>
+        </p:txBody>
+      </p:sp>
+      <p:sp>
+        <p:nvSpPr>
           <p:cNvPr id="4" name="Slide Number Placeholder 3">
             <a:extLst>
               <a:ext uri="{FF2B5EF4-FFF2-40B4-BE49-F238E27FC236}">
@@ -14081,7 +16211,7 @@
           <p:nvPr/>
         </p:nvPicPr>
         <p:blipFill>
-          <a:blip r:embed="rId2">
+          <a:blip r:embed="rId3">
             <a:extLst>
               <a:ext uri="{28A0092B-C50C-407E-A947-70E740481C1C}">
                 <a14:useLocalDpi xmlns:a14="http://schemas.microsoft.com/office/drawing/2010/main" val="0"/>
@@ -14120,7 +16250,7 @@
           <p:nvPr/>
         </p:nvPicPr>
         <p:blipFill rotWithShape="1">
-          <a:blip r:embed="rId3">
+          <a:blip r:embed="rId4">
             <a:extLst>
               <a:ext uri="{28A0092B-C50C-407E-A947-70E740481C1C}">
                 <a14:useLocalDpi xmlns:a14="http://schemas.microsoft.com/office/drawing/2010/main" val="0"/>
@@ -14161,7 +16291,7 @@
           <p:nvPr/>
         </p:nvPicPr>
         <p:blipFill>
-          <a:blip r:embed="rId4">
+          <a:blip r:embed="rId5">
             <a:extLst>
               <a:ext uri="{28A0092B-C50C-407E-A947-70E740481C1C}">
                 <a14:useLocalDpi xmlns:a14="http://schemas.microsoft.com/office/drawing/2010/main" val="0"/>
@@ -14200,7 +16330,7 @@
           <p:nvPr/>
         </p:nvPicPr>
         <p:blipFill rotWithShape="1">
-          <a:blip r:embed="rId5">
+          <a:blip r:embed="rId6">
             <a:extLst>
               <a:ext uri="{28A0092B-C50C-407E-A947-70E740481C1C}">
                 <a14:useLocalDpi xmlns:a14="http://schemas.microsoft.com/office/drawing/2010/main" val="0"/>
@@ -14233,7 +16363,7 @@
           <p:nvPr/>
         </p:nvPicPr>
         <p:blipFill>
-          <a:blip r:embed="rId6">
+          <a:blip r:embed="rId7">
             <a:extLst>
               <a:ext uri="{28A0092B-C50C-407E-A947-70E740481C1C}">
                 <a14:useLocalDpi xmlns:a14="http://schemas.microsoft.com/office/drawing/2010/main" val="0"/>
@@ -14272,7 +16402,7 @@
           <p:nvPr/>
         </p:nvPicPr>
         <p:blipFill>
-          <a:blip r:embed="rId7">
+          <a:blip r:embed="rId8">
             <a:extLst>
               <a:ext uri="{28A0092B-C50C-407E-A947-70E740481C1C}">
                 <a14:useLocalDpi xmlns:a14="http://schemas.microsoft.com/office/drawing/2010/main" val="0"/>
@@ -14285,7 +16415,7 @@
         </p:blipFill>
         <p:spPr>
           <a:xfrm>
-            <a:off x="323762" y="5213132"/>
+            <a:off x="354330" y="5149973"/>
             <a:ext cx="5731510" cy="1595755"/>
           </a:xfrm>
           <a:prstGeom prst="rect">
@@ -14385,10 +16515,10 @@
       </p:cxnSp>
       <p:sp>
         <p:nvSpPr>
-          <p:cNvPr id="20" name="CasellaDiTesto 19">
+          <p:cNvPr id="23" name="CasellaDiTesto 19">
             <a:extLst>
               <a:ext uri="{FF2B5EF4-FFF2-40B4-BE49-F238E27FC236}">
-                <a16:creationId xmlns:a16="http://schemas.microsoft.com/office/drawing/2014/main" id="{0F9102BE-B7E1-43DF-A271-3FB1551A801D}"/>
+                <a16:creationId xmlns:a16="http://schemas.microsoft.com/office/drawing/2014/main" id="{F87312CA-E7D9-4602-BBD8-DB7EE52D4754}"/>
               </a:ext>
             </a:extLst>
           </p:cNvPr>
@@ -14398,7 +16528,7 @@
         <p:spPr>
           <a:xfrm>
             <a:off x="151995" y="625772"/>
-            <a:ext cx="3677055" cy="400110"/>
+            <a:ext cx="3964305" cy="400110"/>
           </a:xfrm>
           <a:prstGeom prst="rect">
             <a:avLst/>
@@ -14415,17 +16545,17 @@
               <a:rPr lang="en-US" sz="2000" i="1" dirty="0">
                 <a:latin typeface="+mn-lt"/>
               </a:rPr>
-              <a:t>Parallelization by rows</a:t>
+              <a:t>Parallelization by rows (OpenMP)</a:t>
             </a:r>
           </a:p>
         </p:txBody>
       </p:sp>
       <p:sp>
         <p:nvSpPr>
-          <p:cNvPr id="21" name="CasellaDiTesto 20">
+          <p:cNvPr id="24" name="CasellaDiTesto 20">
             <a:extLst>
               <a:ext uri="{FF2B5EF4-FFF2-40B4-BE49-F238E27FC236}">
-                <a16:creationId xmlns:a16="http://schemas.microsoft.com/office/drawing/2014/main" id="{6F9386D6-7D98-42D8-9FEF-02852949BBF1}"/>
+                <a16:creationId xmlns:a16="http://schemas.microsoft.com/office/drawing/2014/main" id="{A2938370-E893-4415-8B94-D88D720203CE}"/>
               </a:ext>
             </a:extLst>
           </p:cNvPr>
@@ -14435,7 +16565,7 @@
         <p:spPr>
           <a:xfrm>
             <a:off x="151994" y="2596021"/>
-            <a:ext cx="3677055" cy="400110"/>
+            <a:ext cx="4041634" cy="400110"/>
           </a:xfrm>
           <a:prstGeom prst="rect">
             <a:avLst/>
@@ -14452,17 +16582,17 @@
               <a:rPr lang="en-US" sz="2000" i="1" dirty="0">
                 <a:latin typeface="+mn-lt"/>
               </a:rPr>
-              <a:t>Parallelization per tiles</a:t>
+              <a:t>Parallelization per tiles (OpenMP)</a:t>
             </a:r>
           </a:p>
         </p:txBody>
       </p:sp>
       <p:sp>
         <p:nvSpPr>
-          <p:cNvPr id="22" name="CasellaDiTesto 21">
+          <p:cNvPr id="25" name="CasellaDiTesto 21">
             <a:extLst>
               <a:ext uri="{FF2B5EF4-FFF2-40B4-BE49-F238E27FC236}">
-                <a16:creationId xmlns:a16="http://schemas.microsoft.com/office/drawing/2014/main" id="{5BFB9F6A-7A54-42EA-B080-6C17CA1C8B8E}"/>
+                <a16:creationId xmlns:a16="http://schemas.microsoft.com/office/drawing/2014/main" id="{4399E487-05C6-4220-9B33-103B3E71F904}"/>
               </a:ext>
             </a:extLst>
           </p:cNvPr>
@@ -14471,8 +16601,8 @@
         </p:nvSpPr>
         <p:spPr>
           <a:xfrm>
-            <a:off x="151993" y="4713068"/>
-            <a:ext cx="3677055" cy="400110"/>
+            <a:off x="148921" y="4713068"/>
+            <a:ext cx="4139146" cy="400110"/>
           </a:xfrm>
           <a:prstGeom prst="rect">
             <a:avLst/>
@@ -14489,7 +16619,118 @@
               <a:rPr lang="en-US" sz="2000" i="1" dirty="0">
                 <a:latin typeface="+mn-lt"/>
               </a:rPr>
-              <a:t>Parallelization per elements</a:t>
+              <a:t>Parallelization per elements (CUDA)</a:t>
+            </a:r>
+          </a:p>
+        </p:txBody>
+      </p:sp>
+      <p:sp>
+        <p:nvSpPr>
+          <p:cNvPr id="26" name="CasellaDiTesto 30">
+            <a:extLst>
+              <a:ext uri="{FF2B5EF4-FFF2-40B4-BE49-F238E27FC236}">
+                <a16:creationId xmlns:a16="http://schemas.microsoft.com/office/drawing/2014/main" id="{E92FC52A-9F3F-4CB8-B15E-E1FE0F59B542}"/>
+              </a:ext>
+            </a:extLst>
+          </p:cNvPr>
+          <p:cNvSpPr txBox="1"/>
+          <p:nvPr/>
+        </p:nvSpPr>
+        <p:spPr>
+          <a:xfrm>
+            <a:off x="7353215" y="723844"/>
+            <a:ext cx="1035220" cy="276999"/>
+          </a:xfrm>
+          <a:prstGeom prst="rect">
+            <a:avLst/>
+          </a:prstGeom>
+          <a:noFill/>
+        </p:spPr>
+        <p:txBody>
+          <a:bodyPr wrap="none" rtlCol="0">
+            <a:spAutoFit/>
+          </a:bodyPr>
+          <a:lstStyle/>
+          <a:p>
+            <a:r>
+              <a:rPr lang="en-US" sz="1200" i="1" dirty="0">
+                <a:latin typeface="+mn-lt"/>
+              </a:rPr>
+              <a:t>Result matrix</a:t>
+            </a:r>
+          </a:p>
+        </p:txBody>
+      </p:sp>
+      <p:sp>
+        <p:nvSpPr>
+          <p:cNvPr id="27" name="CasellaDiTesto 30">
+            <a:extLst>
+              <a:ext uri="{FF2B5EF4-FFF2-40B4-BE49-F238E27FC236}">
+                <a16:creationId xmlns:a16="http://schemas.microsoft.com/office/drawing/2014/main" id="{86A27E19-E9D9-4089-A2F3-81371431373D}"/>
+              </a:ext>
+            </a:extLst>
+          </p:cNvPr>
+          <p:cNvSpPr txBox="1"/>
+          <p:nvPr/>
+        </p:nvSpPr>
+        <p:spPr>
+          <a:xfrm>
+            <a:off x="7353215" y="2728199"/>
+            <a:ext cx="1035220" cy="276999"/>
+          </a:xfrm>
+          <a:prstGeom prst="rect">
+            <a:avLst/>
+          </a:prstGeom>
+          <a:noFill/>
+        </p:spPr>
+        <p:txBody>
+          <a:bodyPr wrap="none" rtlCol="0">
+            <a:spAutoFit/>
+          </a:bodyPr>
+          <a:lstStyle/>
+          <a:p>
+            <a:r>
+              <a:rPr lang="en-US" sz="1200" i="1" dirty="0">
+                <a:latin typeface="+mn-lt"/>
+              </a:rPr>
+              <a:t>Result matrix</a:t>
+            </a:r>
+          </a:p>
+        </p:txBody>
+      </p:sp>
+      <p:sp>
+        <p:nvSpPr>
+          <p:cNvPr id="28" name="CasellaDiTesto 30">
+            <a:extLst>
+              <a:ext uri="{FF2B5EF4-FFF2-40B4-BE49-F238E27FC236}">
+                <a16:creationId xmlns:a16="http://schemas.microsoft.com/office/drawing/2014/main" id="{149EFF87-3FD1-4E9B-9386-7BBC09C44569}"/>
+              </a:ext>
+            </a:extLst>
+          </p:cNvPr>
+          <p:cNvSpPr txBox="1"/>
+          <p:nvPr/>
+        </p:nvSpPr>
+        <p:spPr>
+          <a:xfrm>
+            <a:off x="7353215" y="5000486"/>
+            <a:ext cx="1035220" cy="276999"/>
+          </a:xfrm>
+          <a:prstGeom prst="rect">
+            <a:avLst/>
+          </a:prstGeom>
+          <a:noFill/>
+        </p:spPr>
+        <p:txBody>
+          <a:bodyPr wrap="none" rtlCol="0">
+            <a:spAutoFit/>
+          </a:bodyPr>
+          <a:lstStyle/>
+          <a:p>
+            <a:r>
+              <a:rPr lang="en-US" sz="1200" i="1" dirty="0">
+                <a:latin typeface="+mn-lt"/>
+              </a:rPr>
+              <a:t>Result matrix</a:t>
             </a:r>
           </a:p>
         </p:txBody>
@@ -14525,7 +16766,7 @@
                             </p:stCondLst>
                             <p:childTnLst>
                               <p:par>
-                                <p:cTn id="5" presetID="10" presetClass="entr" presetSubtype="0" fill="hold" nodeType="clickEffect">
+                                <p:cTn id="5" presetID="10" presetClass="entr" presetSubtype="0" fill="hold" grpId="0" nodeType="clickEffect">
                                   <p:stCondLst>
                                     <p:cond delay="0"/>
                                   </p:stCondLst>
@@ -14533,6 +16774,146 @@
                                     <p:set>
                                       <p:cBhvr>
                                         <p:cTn id="6" dur="1" fill="hold">
+                                          <p:stCondLst>
+                                            <p:cond delay="0"/>
+                                          </p:stCondLst>
+                                        </p:cTn>
+                                        <p:tgtEl>
+                                          <p:spTgt spid="24"/>
+                                        </p:tgtEl>
+                                        <p:attrNameLst>
+                                          <p:attrName>style.visibility</p:attrName>
+                                        </p:attrNameLst>
+                                      </p:cBhvr>
+                                      <p:to>
+                                        <p:strVal val="visible"/>
+                                      </p:to>
+                                    </p:set>
+                                    <p:animEffect transition="in" filter="fade">
+                                      <p:cBhvr>
+                                        <p:cTn id="7" dur="500"/>
+                                        <p:tgtEl>
+                                          <p:spTgt spid="24"/>
+                                        </p:tgtEl>
+                                      </p:cBhvr>
+                                    </p:animEffect>
+                                  </p:childTnLst>
+                                </p:cTn>
+                              </p:par>
+                              <p:par>
+                                <p:cTn id="8" presetID="10" presetClass="entr" presetSubtype="0" fill="hold" nodeType="withEffect">
+                                  <p:stCondLst>
+                                    <p:cond delay="0"/>
+                                  </p:stCondLst>
+                                  <p:childTnLst>
+                                    <p:set>
+                                      <p:cBhvr>
+                                        <p:cTn id="9" dur="1" fill="hold">
+                                          <p:stCondLst>
+                                            <p:cond delay="0"/>
+                                          </p:stCondLst>
+                                        </p:cTn>
+                                        <p:tgtEl>
+                                          <p:spTgt spid="14"/>
+                                        </p:tgtEl>
+                                        <p:attrNameLst>
+                                          <p:attrName>style.visibility</p:attrName>
+                                        </p:attrNameLst>
+                                      </p:cBhvr>
+                                      <p:to>
+                                        <p:strVal val="visible"/>
+                                      </p:to>
+                                    </p:set>
+                                    <p:animEffect transition="in" filter="fade">
+                                      <p:cBhvr>
+                                        <p:cTn id="10" dur="500"/>
+                                        <p:tgtEl>
+                                          <p:spTgt spid="14"/>
+                                        </p:tgtEl>
+                                      </p:cBhvr>
+                                    </p:animEffect>
+                                  </p:childTnLst>
+                                </p:cTn>
+                              </p:par>
+                              <p:par>
+                                <p:cTn id="11" presetID="10" presetClass="entr" presetSubtype="0" fill="hold" grpId="0" nodeType="withEffect">
+                                  <p:stCondLst>
+                                    <p:cond delay="0"/>
+                                  </p:stCondLst>
+                                  <p:childTnLst>
+                                    <p:set>
+                                      <p:cBhvr>
+                                        <p:cTn id="12" dur="1" fill="hold">
+                                          <p:stCondLst>
+                                            <p:cond delay="0"/>
+                                          </p:stCondLst>
+                                        </p:cTn>
+                                        <p:tgtEl>
+                                          <p:spTgt spid="27"/>
+                                        </p:tgtEl>
+                                        <p:attrNameLst>
+                                          <p:attrName>style.visibility</p:attrName>
+                                        </p:attrNameLst>
+                                      </p:cBhvr>
+                                      <p:to>
+                                        <p:strVal val="visible"/>
+                                      </p:to>
+                                    </p:set>
+                                    <p:animEffect transition="in" filter="fade">
+                                      <p:cBhvr>
+                                        <p:cTn id="13" dur="500"/>
+                                        <p:tgtEl>
+                                          <p:spTgt spid="27"/>
+                                        </p:tgtEl>
+                                      </p:cBhvr>
+                                    </p:animEffect>
+                                  </p:childTnLst>
+                                </p:cTn>
+                              </p:par>
+                              <p:par>
+                                <p:cTn id="14" presetID="10" presetClass="entr" presetSubtype="0" fill="hold" grpId="0" nodeType="withEffect">
+                                  <p:stCondLst>
+                                    <p:cond delay="0"/>
+                                  </p:stCondLst>
+                                  <p:childTnLst>
+                                    <p:set>
+                                      <p:cBhvr>
+                                        <p:cTn id="15" dur="1" fill="hold">
+                                          <p:stCondLst>
+                                            <p:cond delay="0"/>
+                                          </p:stCondLst>
+                                        </p:cTn>
+                                        <p:tgtEl>
+                                          <p:spTgt spid="30"/>
+                                        </p:tgtEl>
+                                        <p:attrNameLst>
+                                          <p:attrName>style.visibility</p:attrName>
+                                        </p:attrNameLst>
+                                      </p:cBhvr>
+                                      <p:to>
+                                        <p:strVal val="visible"/>
+                                      </p:to>
+                                    </p:set>
+                                    <p:animEffect transition="in" filter="fade">
+                                      <p:cBhvr>
+                                        <p:cTn id="16" dur="500"/>
+                                        <p:tgtEl>
+                                          <p:spTgt spid="30"/>
+                                        </p:tgtEl>
+                                      </p:cBhvr>
+                                    </p:animEffect>
+                                  </p:childTnLst>
+                                </p:cTn>
+                              </p:par>
+                              <p:par>
+                                <p:cTn id="17" presetID="10" presetClass="entr" presetSubtype="0" fill="hold" nodeType="withEffect">
+                                  <p:stCondLst>
+                                    <p:cond delay="0"/>
+                                  </p:stCondLst>
+                                  <p:childTnLst>
+                                    <p:set>
+                                      <p:cBhvr>
+                                        <p:cTn id="18" dur="1" fill="hold">
                                           <p:stCondLst>
                                             <p:cond delay="0"/>
                                           </p:stCondLst>
@@ -14550,7 +16931,7 @@
                                     </p:set>
                                     <p:animEffect transition="in" filter="fade">
                                       <p:cBhvr>
-                                        <p:cTn id="7" dur="500"/>
+                                        <p:cTn id="19" dur="500"/>
                                         <p:tgtEl>
                                           <p:spTgt spid="15"/>
                                         </p:tgtEl>
@@ -14560,84 +16941,14 @@
                                 </p:cTn>
                               </p:par>
                               <p:par>
-                                <p:cTn id="8" presetID="10" presetClass="entr" presetSubtype="0" fill="hold" grpId="0" nodeType="withEffect">
+                                <p:cTn id="20" presetID="10" presetClass="entr" presetSubtype="0" fill="hold" nodeType="withEffect">
                                   <p:stCondLst>
                                     <p:cond delay="0"/>
                                   </p:stCondLst>
                                   <p:childTnLst>
                                     <p:set>
                                       <p:cBhvr>
-                                        <p:cTn id="9" dur="1" fill="hold">
-                                          <p:stCondLst>
-                                            <p:cond delay="0"/>
-                                          </p:stCondLst>
-                                        </p:cTn>
-                                        <p:tgtEl>
-                                          <p:spTgt spid="21"/>
-                                        </p:tgtEl>
-                                        <p:attrNameLst>
-                                          <p:attrName>style.visibility</p:attrName>
-                                        </p:attrNameLst>
-                                      </p:cBhvr>
-                                      <p:to>
-                                        <p:strVal val="visible"/>
-                                      </p:to>
-                                    </p:set>
-                                    <p:animEffect transition="in" filter="fade">
-                                      <p:cBhvr>
-                                        <p:cTn id="10" dur="500"/>
-                                        <p:tgtEl>
-                                          <p:spTgt spid="21"/>
-                                        </p:tgtEl>
-                                      </p:cBhvr>
-                                    </p:animEffect>
-                                  </p:childTnLst>
-                                </p:cTn>
-                              </p:par>
-                              <p:par>
-                                <p:cTn id="11" presetID="10" presetClass="entr" presetSubtype="0" fill="hold" nodeType="withEffect">
-                                  <p:stCondLst>
-                                    <p:cond delay="0"/>
-                                  </p:stCondLst>
-                                  <p:childTnLst>
-                                    <p:set>
-                                      <p:cBhvr>
-                                        <p:cTn id="12" dur="1" fill="hold">
-                                          <p:stCondLst>
-                                            <p:cond delay="0"/>
-                                          </p:stCondLst>
-                                        </p:cTn>
-                                        <p:tgtEl>
-                                          <p:spTgt spid="14"/>
-                                        </p:tgtEl>
-                                        <p:attrNameLst>
-                                          <p:attrName>style.visibility</p:attrName>
-                                        </p:attrNameLst>
-                                      </p:cBhvr>
-                                      <p:to>
-                                        <p:strVal val="visible"/>
-                                      </p:to>
-                                    </p:set>
-                                    <p:animEffect transition="in" filter="fade">
-                                      <p:cBhvr>
-                                        <p:cTn id="13" dur="500"/>
-                                        <p:tgtEl>
-                                          <p:spTgt spid="14"/>
-                                        </p:tgtEl>
-                                      </p:cBhvr>
-                                    </p:animEffect>
-                                  </p:childTnLst>
-                                </p:cTn>
-                              </p:par>
-                              <p:par>
-                                <p:cTn id="14" presetID="10" presetClass="entr" presetSubtype="0" fill="hold" nodeType="withEffect">
-                                  <p:stCondLst>
-                                    <p:cond delay="0"/>
-                                  </p:stCondLst>
-                                  <p:childTnLst>
-                                    <p:set>
-                                      <p:cBhvr>
-                                        <p:cTn id="15" dur="1" fill="hold">
+                                        <p:cTn id="21" dur="1" fill="hold">
                                           <p:stCondLst>
                                             <p:cond delay="0"/>
                                           </p:stCondLst>
@@ -14655,7 +16966,7 @@
                                     </p:set>
                                     <p:animEffect transition="in" filter="fade">
                                       <p:cBhvr>
-                                        <p:cTn id="16" dur="500"/>
+                                        <p:cTn id="22" dur="500"/>
                                         <p:tgtEl>
                                           <p:spTgt spid="19"/>
                                         </p:tgtEl>
@@ -14671,26 +16982,26 @@
                     </p:cTn>
                   </p:par>
                   <p:par>
-                    <p:cTn id="17" fill="hold">
+                    <p:cTn id="23" fill="hold">
                       <p:stCondLst>
                         <p:cond delay="indefinite"/>
                       </p:stCondLst>
                       <p:childTnLst>
                         <p:par>
-                          <p:cTn id="18" fill="hold">
+                          <p:cTn id="24" fill="hold">
                             <p:stCondLst>
                               <p:cond delay="0"/>
                             </p:stCondLst>
                             <p:childTnLst>
                               <p:par>
-                                <p:cTn id="19" presetID="10" presetClass="entr" presetSubtype="0" fill="hold" nodeType="clickEffect">
+                                <p:cTn id="25" presetID="10" presetClass="entr" presetSubtype="0" fill="hold" nodeType="clickEffect">
                                   <p:stCondLst>
                                     <p:cond delay="0"/>
                                   </p:stCondLst>
                                   <p:childTnLst>
                                     <p:set>
                                       <p:cBhvr>
-                                        <p:cTn id="20" dur="1" fill="hold">
+                                        <p:cTn id="26" dur="1" fill="hold">
                                           <p:stCondLst>
                                             <p:cond delay="0"/>
                                           </p:stCondLst>
@@ -14708,7 +17019,7 @@
                                     </p:set>
                                     <p:animEffect transition="in" filter="fade">
                                       <p:cBhvr>
-                                        <p:cTn id="21" dur="500"/>
+                                        <p:cTn id="27" dur="500"/>
                                         <p:tgtEl>
                                           <p:spTgt spid="17"/>
                                         </p:tgtEl>
@@ -14718,20 +17029,20 @@
                                 </p:cTn>
                               </p:par>
                               <p:par>
-                                <p:cTn id="22" presetID="10" presetClass="entr" presetSubtype="0" fill="hold" grpId="0" nodeType="withEffect">
+                                <p:cTn id="28" presetID="10" presetClass="entr" presetSubtype="0" fill="hold" grpId="0" nodeType="withEffect">
                                   <p:stCondLst>
                                     <p:cond delay="0"/>
                                   </p:stCondLst>
                                   <p:childTnLst>
                                     <p:set>
                                       <p:cBhvr>
-                                        <p:cTn id="23" dur="1" fill="hold">
+                                        <p:cTn id="29" dur="1" fill="hold">
                                           <p:stCondLst>
                                             <p:cond delay="0"/>
                                           </p:stCondLst>
                                         </p:cTn>
                                         <p:tgtEl>
-                                          <p:spTgt spid="22"/>
+                                          <p:spTgt spid="31"/>
                                         </p:tgtEl>
                                         <p:attrNameLst>
                                           <p:attrName>style.visibility</p:attrName>
@@ -14743,9 +17054,9 @@
                                     </p:set>
                                     <p:animEffect transition="in" filter="fade">
                                       <p:cBhvr>
-                                        <p:cTn id="24" dur="500"/>
+                                        <p:cTn id="30" dur="500"/>
                                         <p:tgtEl>
-                                          <p:spTgt spid="22"/>
+                                          <p:spTgt spid="31"/>
                                         </p:tgtEl>
                                       </p:cBhvr>
                                     </p:animEffect>
@@ -14753,14 +17064,49 @@
                                 </p:cTn>
                               </p:par>
                               <p:par>
-                                <p:cTn id="25" presetID="10" presetClass="entr" presetSubtype="0" fill="hold" nodeType="withEffect">
+                                <p:cTn id="31" presetID="10" presetClass="entr" presetSubtype="0" fill="hold" grpId="0" nodeType="withEffect">
                                   <p:stCondLst>
                                     <p:cond delay="0"/>
                                   </p:stCondLst>
                                   <p:childTnLst>
                                     <p:set>
                                       <p:cBhvr>
-                                        <p:cTn id="26" dur="1" fill="hold">
+                                        <p:cTn id="32" dur="1" fill="hold">
+                                          <p:stCondLst>
+                                            <p:cond delay="0"/>
+                                          </p:stCondLst>
+                                        </p:cTn>
+                                        <p:tgtEl>
+                                          <p:spTgt spid="25"/>
+                                        </p:tgtEl>
+                                        <p:attrNameLst>
+                                          <p:attrName>style.visibility</p:attrName>
+                                        </p:attrNameLst>
+                                      </p:cBhvr>
+                                      <p:to>
+                                        <p:strVal val="visible"/>
+                                      </p:to>
+                                    </p:set>
+                                    <p:animEffect transition="in" filter="fade">
+                                      <p:cBhvr>
+                                        <p:cTn id="33" dur="500"/>
+                                        <p:tgtEl>
+                                          <p:spTgt spid="25"/>
+                                        </p:tgtEl>
+                                      </p:cBhvr>
+                                    </p:animEffect>
+                                  </p:childTnLst>
+                                </p:cTn>
+                              </p:par>
+                              <p:par>
+                                <p:cTn id="34" presetID="10" presetClass="entr" presetSubtype="0" fill="hold" nodeType="withEffect">
+                                  <p:stCondLst>
+                                    <p:cond delay="0"/>
+                                  </p:stCondLst>
+                                  <p:childTnLst>
+                                    <p:set>
+                                      <p:cBhvr>
+                                        <p:cTn id="35" dur="1" fill="hold">
                                           <p:stCondLst>
                                             <p:cond delay="0"/>
                                           </p:stCondLst>
@@ -14778,9 +17124,44 @@
                                     </p:set>
                                     <p:animEffect transition="in" filter="fade">
                                       <p:cBhvr>
-                                        <p:cTn id="27" dur="500"/>
+                                        <p:cTn id="36" dur="500"/>
                                         <p:tgtEl>
                                           <p:spTgt spid="16"/>
+                                        </p:tgtEl>
+                                      </p:cBhvr>
+                                    </p:animEffect>
+                                  </p:childTnLst>
+                                </p:cTn>
+                              </p:par>
+                              <p:par>
+                                <p:cTn id="37" presetID="10" presetClass="entr" presetSubtype="0" fill="hold" grpId="0" nodeType="withEffect">
+                                  <p:stCondLst>
+                                    <p:cond delay="0"/>
+                                  </p:stCondLst>
+                                  <p:childTnLst>
+                                    <p:set>
+                                      <p:cBhvr>
+                                        <p:cTn id="38" dur="1" fill="hold">
+                                          <p:stCondLst>
+                                            <p:cond delay="0"/>
+                                          </p:stCondLst>
+                                        </p:cTn>
+                                        <p:tgtEl>
+                                          <p:spTgt spid="28"/>
+                                        </p:tgtEl>
+                                        <p:attrNameLst>
+                                          <p:attrName>style.visibility</p:attrName>
+                                        </p:attrNameLst>
+                                      </p:cBhvr>
+                                      <p:to>
+                                        <p:strVal val="visible"/>
+                                      </p:to>
+                                    </p:set>
+                                    <p:animEffect transition="in" filter="fade">
+                                      <p:cBhvr>
+                                        <p:cTn id="39" dur="500"/>
+                                        <p:tgtEl>
+                                          <p:spTgt spid="28"/>
                                         </p:tgtEl>
                                       </p:cBhvr>
                                     </p:animEffect>
@@ -14815,8 +17196,12 @@
       </p:par>
     </p:tnLst>
     <p:bldLst>
-      <p:bldP spid="21" grpId="0"/>
-      <p:bldP spid="22" grpId="0"/>
+      <p:bldP spid="31" grpId="0" animBg="1"/>
+      <p:bldP spid="30" grpId="0" animBg="1"/>
+      <p:bldP spid="24" grpId="0"/>
+      <p:bldP spid="25" grpId="0"/>
+      <p:bldP spid="27" grpId="0"/>
+      <p:bldP spid="28" grpId="0"/>
     </p:bldLst>
   </p:timing>
 </p:sld>
@@ -15224,7 +17609,7 @@
           <p:nvPr>
             <p:extLst>
               <p:ext uri="{D42A27DB-BD31-4B8C-83A1-F6EECF244321}">
-                <p14:modId xmlns:p14="http://schemas.microsoft.com/office/powerpoint/2010/main" val="2141672492"/>
+                <p14:modId xmlns:p14="http://schemas.microsoft.com/office/powerpoint/2010/main" val="4095113561"/>
               </p:ext>
             </p:extLst>
           </p:nvPr>
@@ -15235,7 +17620,7 @@
         </p:xfrm>
         <a:graphic>
           <a:graphicData uri="http://schemas.openxmlformats.org/drawingml/2006/chart">
-            <c:chart xmlns:c="http://schemas.openxmlformats.org/drawingml/2006/chart" xmlns:r="http://schemas.openxmlformats.org/officeDocument/2006/relationships" r:id="rId2"/>
+            <c:chart xmlns:c="http://schemas.openxmlformats.org/drawingml/2006/chart" xmlns:r="http://schemas.openxmlformats.org/officeDocument/2006/relationships" r:id="rId3"/>
           </a:graphicData>
         </a:graphic>
       </p:graphicFrame>
@@ -15252,7 +17637,7 @@
           <p:nvPr>
             <p:extLst>
               <p:ext uri="{D42A27DB-BD31-4B8C-83A1-F6EECF244321}">
-                <p14:modId xmlns:p14="http://schemas.microsoft.com/office/powerpoint/2010/main" val="2083229285"/>
+                <p14:modId xmlns:p14="http://schemas.microsoft.com/office/powerpoint/2010/main" val="1368187809"/>
               </p:ext>
             </p:extLst>
           </p:nvPr>
@@ -15263,7 +17648,7 @@
         </p:xfrm>
         <a:graphic>
           <a:graphicData uri="http://schemas.openxmlformats.org/drawingml/2006/chart">
-            <c:chart xmlns:c="http://schemas.openxmlformats.org/drawingml/2006/chart" xmlns:r="http://schemas.openxmlformats.org/officeDocument/2006/relationships" r:id="rId3"/>
+            <c:chart xmlns:c="http://schemas.openxmlformats.org/drawingml/2006/chart" xmlns:r="http://schemas.openxmlformats.org/officeDocument/2006/relationships" r:id="rId4"/>
           </a:graphicData>
         </a:graphic>
       </p:graphicFrame>
@@ -15280,7 +17665,7 @@
           <p:nvPr>
             <p:extLst>
               <p:ext uri="{D42A27DB-BD31-4B8C-83A1-F6EECF244321}">
-                <p14:modId xmlns:p14="http://schemas.microsoft.com/office/powerpoint/2010/main" val="1080118175"/>
+                <p14:modId xmlns:p14="http://schemas.microsoft.com/office/powerpoint/2010/main" val="2734836935"/>
               </p:ext>
             </p:extLst>
           </p:nvPr>
@@ -15291,7 +17676,7 @@
         </p:xfrm>
         <a:graphic>
           <a:graphicData uri="http://schemas.openxmlformats.org/drawingml/2006/chart">
-            <c:chart xmlns:c="http://schemas.openxmlformats.org/drawingml/2006/chart" xmlns:r="http://schemas.openxmlformats.org/officeDocument/2006/relationships" r:id="rId4"/>
+            <c:chart xmlns:c="http://schemas.openxmlformats.org/drawingml/2006/chart" xmlns:r="http://schemas.openxmlformats.org/officeDocument/2006/relationships" r:id="rId5"/>
           </a:graphicData>
         </a:graphic>
       </p:graphicFrame>
@@ -17784,7 +20169,7 @@
                 <a:avLst/>
               </a:prstGeom>
               <a:blipFill>
-                <a:blip r:embed="rId2"/>
+                <a:blip r:embed="rId3"/>
                 <a:stretch>
                   <a:fillRect/>
                 </a:stretch>
@@ -18434,7 +20819,7 @@
                 <a:avLst/>
               </a:prstGeom>
               <a:blipFill>
-                <a:blip r:embed="rId3"/>
+                <a:blip r:embed="rId4"/>
                 <a:stretch>
                   <a:fillRect/>
                 </a:stretch>
@@ -19091,7 +21476,7 @@
                 <a:avLst/>
               </a:prstGeom>
               <a:blipFill>
-                <a:blip r:embed="rId4"/>
+                <a:blip r:embed="rId5"/>
                 <a:stretch>
                   <a:fillRect/>
                 </a:stretch>
@@ -19410,7 +21795,7 @@
                 <a:avLst/>
               </a:prstGeom>
               <a:blipFill>
-                <a:blip r:embed="rId5"/>
+                <a:blip r:embed="rId6"/>
                 <a:stretch>
                   <a:fillRect l="-3982" t="-4839" b="-25806"/>
                 </a:stretch>
@@ -19649,7 +22034,7 @@
         </p:nvSpPr>
         <p:spPr>
           <a:xfrm>
-            <a:off x="3617459" y="921033"/>
+            <a:off x="3644853" y="930793"/>
             <a:ext cx="146648" cy="777072"/>
           </a:xfrm>
           <a:prstGeom prst="rect">
@@ -20080,7 +22465,7 @@
           <p:nvPr/>
         </p:nvPicPr>
         <p:blipFill rotWithShape="1">
-          <a:blip r:embed="rId6">
+          <a:blip r:embed="rId7">
             <a:extLst>
               <a:ext uri="{28A0092B-C50C-407E-A947-70E740481C1C}">
                 <a14:useLocalDpi xmlns:a14="http://schemas.microsoft.com/office/drawing/2010/main" val="0"/>
@@ -20121,7 +22506,7 @@
           <p:nvPr/>
         </p:nvPicPr>
         <p:blipFill rotWithShape="1">
-          <a:blip r:embed="rId7">
+          <a:blip r:embed="rId8">
             <a:extLst>
               <a:ext uri="{28A0092B-C50C-407E-A947-70E740481C1C}">
                 <a14:useLocalDpi xmlns:a14="http://schemas.microsoft.com/office/drawing/2010/main" val="0"/>
@@ -21083,7 +23468,7 @@
                 <a:avLst/>
               </a:prstGeom>
               <a:blipFill>
-                <a:blip r:embed="rId2"/>
+                <a:blip r:embed="rId3"/>
                 <a:stretch>
                   <a:fillRect/>
                 </a:stretch>
@@ -21398,7 +23783,7 @@
           <p:nvPr/>
         </p:nvPicPr>
         <p:blipFill rotWithShape="1">
-          <a:blip r:embed="rId3">
+          <a:blip r:embed="rId4">
             <a:extLst>
               <a:ext uri="{28A0092B-C50C-407E-A947-70E740481C1C}">
                 <a14:useLocalDpi xmlns:a14="http://schemas.microsoft.com/office/drawing/2010/main" val="0"/>
@@ -21763,7 +24148,7 @@
                 <a:avLst/>
               </a:prstGeom>
               <a:blipFill>
-                <a:blip r:embed="rId4"/>
+                <a:blip r:embed="rId5"/>
                 <a:stretch>
                   <a:fillRect/>
                 </a:stretch>
@@ -22536,7 +24921,7 @@
           <p:nvPr/>
         </p:nvPicPr>
         <p:blipFill>
-          <a:blip r:embed="rId2">
+          <a:blip r:embed="rId3">
             <a:extLst>
               <a:ext uri="{28A0092B-C50C-407E-A947-70E740481C1C}">
                 <a14:useLocalDpi xmlns:a14="http://schemas.microsoft.com/office/drawing/2010/main" val="0"/>
@@ -22575,7 +24960,7 @@
           <p:nvPr/>
         </p:nvPicPr>
         <p:blipFill rotWithShape="1">
-          <a:blip r:embed="rId3">
+          <a:blip r:embed="rId4">
             <a:extLst>
               <a:ext uri="{28A0092B-C50C-407E-A947-70E740481C1C}">
                 <a14:useLocalDpi xmlns:a14="http://schemas.microsoft.com/office/drawing/2010/main" val="0"/>
@@ -22616,7 +25001,7 @@
           <p:nvPr/>
         </p:nvPicPr>
         <p:blipFill rotWithShape="1">
-          <a:blip r:embed="rId4">
+          <a:blip r:embed="rId5">
             <a:extLst>
               <a:ext uri="{28A0092B-C50C-407E-A947-70E740481C1C}">
                 <a14:useLocalDpi xmlns:a14="http://schemas.microsoft.com/office/drawing/2010/main" val="0"/>
@@ -23584,7 +25969,7 @@
           <p:nvPr>
             <p:extLst>
               <p:ext uri="{D42A27DB-BD31-4B8C-83A1-F6EECF244321}">
-                <p14:modId xmlns:p14="http://schemas.microsoft.com/office/powerpoint/2010/main" val="1247077699"/>
+                <p14:modId xmlns:p14="http://schemas.microsoft.com/office/powerpoint/2010/main" val="1045169027"/>
               </p:ext>
             </p:extLst>
           </p:nvPr>
@@ -23595,7 +25980,7 @@
         </p:xfrm>
         <a:graphic>
           <a:graphicData uri="http://schemas.openxmlformats.org/drawingml/2006/chart">
-            <c:chart xmlns:c="http://schemas.openxmlformats.org/drawingml/2006/chart" xmlns:r="http://schemas.openxmlformats.org/officeDocument/2006/relationships" r:id="rId2"/>
+            <c:chart xmlns:c="http://schemas.openxmlformats.org/drawingml/2006/chart" xmlns:r="http://schemas.openxmlformats.org/officeDocument/2006/relationships" r:id="rId3"/>
           </a:graphicData>
         </a:graphic>
       </p:graphicFrame>
@@ -23612,7 +25997,7 @@
           <p:nvPr>
             <p:extLst>
               <p:ext uri="{D42A27DB-BD31-4B8C-83A1-F6EECF244321}">
-                <p14:modId xmlns:p14="http://schemas.microsoft.com/office/powerpoint/2010/main" val="2252135504"/>
+                <p14:modId xmlns:p14="http://schemas.microsoft.com/office/powerpoint/2010/main" val="1510719257"/>
               </p:ext>
             </p:extLst>
           </p:nvPr>
@@ -23623,7 +26008,7 @@
         </p:xfrm>
         <a:graphic>
           <a:graphicData uri="http://schemas.openxmlformats.org/drawingml/2006/chart">
-            <c:chart xmlns:c="http://schemas.openxmlformats.org/drawingml/2006/chart" xmlns:r="http://schemas.openxmlformats.org/officeDocument/2006/relationships" r:id="rId3"/>
+            <c:chart xmlns:c="http://schemas.openxmlformats.org/drawingml/2006/chart" xmlns:r="http://schemas.openxmlformats.org/officeDocument/2006/relationships" r:id="rId4"/>
           </a:graphicData>
         </a:graphic>
       </p:graphicFrame>
